--- a/project/ShuhanXu.pptx
+++ b/project/ShuhanXu.pptx
@@ -9,6 +9,11 @@
     <p:sldId id="257" r:id="rId3"/>
     <p:sldId id="258" r:id="rId4"/>
     <p:sldId id="260" r:id="rId5"/>
+    <p:sldId id="262" r:id="rId6"/>
+    <p:sldId id="263" r:id="rId7"/>
+    <p:sldId id="264" r:id="rId8"/>
+    <p:sldId id="265" r:id="rId9"/>
+    <p:sldId id="266" r:id="rId10"/>
   </p:sldIdLst>
   <p:sldSz cx="12192000" cy="6858000"/>
   <p:notesSz cx="6858000" cy="9144000"/>
@@ -3929,6 +3934,3783 @@
 </p:sld>
 </file>
 
+<file path=ppt/slides/slide5.xml><?xml version="1.0" encoding="utf-8"?>
+<p:sld xmlns:a="http://schemas.openxmlformats.org/drawingml/2006/main" xmlns:r="http://schemas.openxmlformats.org/officeDocument/2006/relationships" xmlns:p="http://schemas.openxmlformats.org/presentationml/2006/main">
+  <p:cSld>
+    <p:spTree>
+      <p:nvGrpSpPr>
+        <p:cNvPr id="1" name=""/>
+        <p:cNvGrpSpPr/>
+        <p:nvPr/>
+      </p:nvGrpSpPr>
+      <p:grpSpPr>
+        <a:xfrm>
+          <a:off x="0" y="0"/>
+          <a:ext cx="0" cy="0"/>
+          <a:chOff x="0" y="0"/>
+          <a:chExt cx="0" cy="0"/>
+        </a:xfrm>
+      </p:grpSpPr>
+      <p:sp>
+        <p:nvSpPr>
+          <p:cNvPr id="2" name="Title 1">
+            <a:extLst>
+              <a:ext uri="{FF2B5EF4-FFF2-40B4-BE49-F238E27FC236}">
+                <a16:creationId xmlns:a16="http://schemas.microsoft.com/office/drawing/2014/main" id="{E00DECB2-2A6D-3F4D-B0E9-EF7D6D94CBFD}"/>
+              </a:ext>
+            </a:extLst>
+          </p:cNvPr>
+          <p:cNvSpPr>
+            <a:spLocks noGrp="1"/>
+          </p:cNvSpPr>
+          <p:nvPr>
+            <p:ph type="title"/>
+          </p:nvPr>
+        </p:nvSpPr>
+        <p:spPr>
+          <a:xfrm>
+            <a:off x="838200" y="365125"/>
+            <a:ext cx="10515600" cy="1325563"/>
+          </a:xfrm>
+        </p:spPr>
+        <p:txBody>
+          <a:bodyPr/>
+          <a:lstStyle/>
+          <a:p>
+            <a:r>
+              <a:rPr lang="en-US" dirty="0"/>
+              <a:t>Comparison with Glimmer (“ground truth”)</a:t>
+            </a:r>
+          </a:p>
+        </p:txBody>
+      </p:sp>
+      <p:graphicFrame>
+        <p:nvGraphicFramePr>
+          <p:cNvPr id="4" name="Content Placeholder 3">
+            <a:extLst>
+              <a:ext uri="{FF2B5EF4-FFF2-40B4-BE49-F238E27FC236}">
+                <a16:creationId xmlns:a16="http://schemas.microsoft.com/office/drawing/2014/main" id="{653627E7-AE42-8647-8647-EC7FB7907302}"/>
+              </a:ext>
+            </a:extLst>
+          </p:cNvPr>
+          <p:cNvGraphicFramePr>
+            <a:graphicFrameLocks noGrp="1"/>
+          </p:cNvGraphicFramePr>
+          <p:nvPr>
+            <p:ph idx="1"/>
+            <p:extLst>
+              <p:ext uri="{D42A27DB-BD31-4B8C-83A1-F6EECF244321}">
+                <p14:modId xmlns:p14="http://schemas.microsoft.com/office/powerpoint/2010/main" val="4132330554"/>
+              </p:ext>
+            </p:extLst>
+          </p:nvPr>
+        </p:nvGraphicFramePr>
+        <p:xfrm>
+          <a:off x="742382" y="2320119"/>
+          <a:ext cx="10707236" cy="3016156"/>
+        </p:xfrm>
+        <a:graphic>
+          <a:graphicData uri="http://schemas.openxmlformats.org/drawingml/2006/table">
+            <a:tbl>
+              <a:tblPr>
+                <a:tableStyleId>{5C22544A-7EE6-4342-B048-85BDC9FD1C3A}</a:tableStyleId>
+              </a:tblPr>
+              <a:tblGrid>
+                <a:gridCol w="1496644">
+                  <a:extLst>
+                    <a:ext uri="{9D8B030D-6E8A-4147-A177-3AD203B41FA5}">
+                      <a16:colId xmlns:a16="http://schemas.microsoft.com/office/drawing/2014/main" val="29268726"/>
+                    </a:ext>
+                  </a:extLst>
+                </a:gridCol>
+                <a:gridCol w="2926940">
+                  <a:extLst>
+                    <a:ext uri="{9D8B030D-6E8A-4147-A177-3AD203B41FA5}">
+                      <a16:colId xmlns:a16="http://schemas.microsoft.com/office/drawing/2014/main" val="2642980056"/>
+                    </a:ext>
+                  </a:extLst>
+                </a:gridCol>
+                <a:gridCol w="1149861">
+                  <a:extLst>
+                    <a:ext uri="{9D8B030D-6E8A-4147-A177-3AD203B41FA5}">
+                      <a16:colId xmlns:a16="http://schemas.microsoft.com/office/drawing/2014/main" val="483223152"/>
+                    </a:ext>
+                  </a:extLst>
+                </a:gridCol>
+                <a:gridCol w="1542166">
+                  <a:extLst>
+                    <a:ext uri="{9D8B030D-6E8A-4147-A177-3AD203B41FA5}">
+                      <a16:colId xmlns:a16="http://schemas.microsoft.com/office/drawing/2014/main" val="4261783085"/>
+                    </a:ext>
+                  </a:extLst>
+                </a:gridCol>
+                <a:gridCol w="1775520">
+                  <a:extLst>
+                    <a:ext uri="{9D8B030D-6E8A-4147-A177-3AD203B41FA5}">
+                      <a16:colId xmlns:a16="http://schemas.microsoft.com/office/drawing/2014/main" val="3246034222"/>
+                    </a:ext>
+                  </a:extLst>
+                </a:gridCol>
+                <a:gridCol w="1816105">
+                  <a:extLst>
+                    <a:ext uri="{9D8B030D-6E8A-4147-A177-3AD203B41FA5}">
+                      <a16:colId xmlns:a16="http://schemas.microsoft.com/office/drawing/2014/main" val="4208945667"/>
+                    </a:ext>
+                  </a:extLst>
+                </a:gridCol>
+              </a:tblGrid>
+              <a:tr h="610820">
+                <a:tc>
+                  <a:txBody>
+                    <a:bodyPr/>
+                    <a:lstStyle/>
+                    <a:p>
+                      <a:pPr algn="ctr" fontAlgn="b"/>
+                      <a:r>
+                        <a:rPr lang="en-SG" sz="1600" u="none" strike="noStrike">
+                          <a:effectLst/>
+                        </a:rPr>
+                        <a:t>Genome ID</a:t>
+                      </a:r>
+                      <a:endParaRPr lang="en-SG" sz="1600" b="1" i="0" u="none" strike="noStrike">
+                        <a:solidFill>
+                          <a:srgbClr val="000000"/>
+                        </a:solidFill>
+                        <a:effectLst/>
+                        <a:latin typeface="Liberation Sans"/>
+                      </a:endParaRPr>
+                    </a:p>
+                  </a:txBody>
+                  <a:tcPr marL="9525" marR="9525" marT="9525" marB="0" anchor="b"/>
+                </a:tc>
+                <a:tc>
+                  <a:txBody>
+                    <a:bodyPr/>
+                    <a:lstStyle/>
+                    <a:p>
+                      <a:pPr algn="ctr" fontAlgn="b"/>
+                      <a:r>
+                        <a:rPr lang="en-SG" sz="1600" u="none" strike="noStrike">
+                          <a:effectLst/>
+                        </a:rPr>
+                        <a:t>Species</a:t>
+                      </a:r>
+                      <a:endParaRPr lang="en-SG" sz="1600" b="1" i="0" u="none" strike="noStrike">
+                        <a:solidFill>
+                          <a:srgbClr val="000000"/>
+                        </a:solidFill>
+                        <a:effectLst/>
+                        <a:latin typeface="Liberation Sans"/>
+                      </a:endParaRPr>
+                    </a:p>
+                  </a:txBody>
+                  <a:tcPr marL="9525" marR="9525" marT="9525" marB="0" anchor="b"/>
+                </a:tc>
+                <a:tc>
+                  <a:txBody>
+                    <a:bodyPr/>
+                    <a:lstStyle/>
+                    <a:p>
+                      <a:pPr algn="ctr" fontAlgn="b"/>
+                      <a:r>
+                        <a:rPr lang="en-SG" sz="1600" u="none" strike="noStrike">
+                          <a:effectLst/>
+                        </a:rPr>
+                        <a:t>true ORF</a:t>
+                      </a:r>
+                      <a:endParaRPr lang="en-SG" sz="1600" b="1" i="0" u="none" strike="noStrike">
+                        <a:solidFill>
+                          <a:srgbClr val="000000"/>
+                        </a:solidFill>
+                        <a:effectLst/>
+                        <a:latin typeface="Liberation Sans"/>
+                      </a:endParaRPr>
+                    </a:p>
+                  </a:txBody>
+                  <a:tcPr marL="9525" marR="9525" marT="9525" marB="0" anchor="b"/>
+                </a:tc>
+                <a:tc>
+                  <a:txBody>
+                    <a:bodyPr/>
+                    <a:lstStyle/>
+                    <a:p>
+                      <a:pPr algn="ctr" fontAlgn="b"/>
+                      <a:r>
+                        <a:rPr lang="en-SG" sz="1600" u="none" strike="noStrike">
+                          <a:effectLst/>
+                        </a:rPr>
+                        <a:t>predicted ORF</a:t>
+                      </a:r>
+                      <a:endParaRPr lang="en-SG" sz="1600" b="1" i="0" u="none" strike="noStrike">
+                        <a:solidFill>
+                          <a:srgbClr val="000000"/>
+                        </a:solidFill>
+                        <a:effectLst/>
+                        <a:latin typeface="Liberation Sans"/>
+                      </a:endParaRPr>
+                    </a:p>
+                  </a:txBody>
+                  <a:tcPr marL="9525" marR="9525" marT="9525" marB="0" anchor="b"/>
+                </a:tc>
+                <a:tc>
+                  <a:txBody>
+                    <a:bodyPr/>
+                    <a:lstStyle/>
+                    <a:p>
+                      <a:pPr algn="ctr" fontAlgn="b"/>
+                      <a:r>
+                        <a:rPr lang="en-SG" sz="1600" u="none" strike="noStrike" dirty="0">
+                          <a:effectLst/>
+                        </a:rPr>
+                        <a:t>average true length</a:t>
+                      </a:r>
+                      <a:endParaRPr lang="en-SG" sz="1600" b="1" i="0" u="none" strike="noStrike" dirty="0">
+                        <a:solidFill>
+                          <a:srgbClr val="000000"/>
+                        </a:solidFill>
+                        <a:effectLst/>
+                        <a:latin typeface="Liberation Sans"/>
+                      </a:endParaRPr>
+                    </a:p>
+                  </a:txBody>
+                  <a:tcPr marL="9525" marR="9525" marT="9525" marB="0" anchor="b"/>
+                </a:tc>
+                <a:tc>
+                  <a:txBody>
+                    <a:bodyPr/>
+                    <a:lstStyle/>
+                    <a:p>
+                      <a:pPr algn="ctr" fontAlgn="b"/>
+                      <a:r>
+                        <a:rPr lang="en-SG" sz="1600" u="none" strike="noStrike">
+                          <a:effectLst/>
+                        </a:rPr>
+                        <a:t>average predicted length</a:t>
+                      </a:r>
+                      <a:endParaRPr lang="en-SG" sz="1600" b="1" i="0" u="none" strike="noStrike">
+                        <a:solidFill>
+                          <a:srgbClr val="000000"/>
+                        </a:solidFill>
+                        <a:effectLst/>
+                        <a:latin typeface="Liberation Sans"/>
+                      </a:endParaRPr>
+                    </a:p>
+                  </a:txBody>
+                  <a:tcPr marL="9525" marR="9525" marT="9525" marB="0" anchor="b"/>
+                </a:tc>
+                <a:extLst>
+                  <a:ext uri="{0D108BD9-81ED-4DB2-BD59-A6C34878D82A}">
+                    <a16:rowId xmlns:a16="http://schemas.microsoft.com/office/drawing/2014/main" val="515607063"/>
+                  </a:ext>
+                </a:extLst>
+              </a:tr>
+              <a:tr h="448629">
+                <a:tc>
+                  <a:txBody>
+                    <a:bodyPr/>
+                    <a:lstStyle/>
+                    <a:p>
+                      <a:pPr algn="ctr" fontAlgn="b"/>
+                      <a:r>
+                        <a:rPr lang="en-SG" sz="1600" u="none" strike="noStrike">
+                          <a:effectLst/>
+                        </a:rPr>
+                        <a:t>9</a:t>
+                      </a:r>
+                      <a:endParaRPr lang="en-SG" sz="1600" b="0" i="0" u="none" strike="noStrike">
+                        <a:solidFill>
+                          <a:srgbClr val="000000"/>
+                        </a:solidFill>
+                        <a:effectLst/>
+                        <a:latin typeface="Liberation Sans"/>
+                      </a:endParaRPr>
+                    </a:p>
+                  </a:txBody>
+                  <a:tcPr marL="9525" marR="9525" marT="9525" marB="0" anchor="b"/>
+                </a:tc>
+                <a:tc>
+                  <a:txBody>
+                    <a:bodyPr/>
+                    <a:lstStyle/>
+                    <a:p>
+                      <a:pPr algn="ctr" fontAlgn="b"/>
+                      <a:r>
+                        <a:rPr lang="en-SG" sz="1600" u="none" strike="noStrike" dirty="0">
+                          <a:effectLst/>
+                        </a:rPr>
+                        <a:t>Escherichia coli</a:t>
+                      </a:r>
+                      <a:endParaRPr lang="en-SG" sz="1600" b="0" i="0" u="none" strike="noStrike" dirty="0">
+                        <a:solidFill>
+                          <a:srgbClr val="000000"/>
+                        </a:solidFill>
+                        <a:effectLst/>
+                        <a:latin typeface="Liberation Sans"/>
+                      </a:endParaRPr>
+                    </a:p>
+                  </a:txBody>
+                  <a:tcPr marL="9525" marR="9525" marT="9525" marB="0" anchor="b"/>
+                </a:tc>
+                <a:tc>
+                  <a:txBody>
+                    <a:bodyPr/>
+                    <a:lstStyle/>
+                    <a:p>
+                      <a:pPr algn="ctr" fontAlgn="b"/>
+                      <a:r>
+                        <a:rPr lang="en-SG" sz="1600" u="none" strike="noStrike">
+                          <a:effectLst/>
+                        </a:rPr>
+                        <a:t>5323</a:t>
+                      </a:r>
+                      <a:endParaRPr lang="en-SG" sz="1600" b="0" i="0" u="none" strike="noStrike">
+                        <a:solidFill>
+                          <a:srgbClr val="000000"/>
+                        </a:solidFill>
+                        <a:effectLst/>
+                        <a:latin typeface="Liberation Sans"/>
+                      </a:endParaRPr>
+                    </a:p>
+                  </a:txBody>
+                  <a:tcPr marL="9525" marR="9525" marT="9525" marB="0" anchor="b"/>
+                </a:tc>
+                <a:tc>
+                  <a:txBody>
+                    <a:bodyPr/>
+                    <a:lstStyle/>
+                    <a:p>
+                      <a:pPr algn="ctr" fontAlgn="b"/>
+                      <a:r>
+                        <a:rPr lang="en-SG" sz="1600" u="none" strike="noStrike">
+                          <a:effectLst/>
+                        </a:rPr>
+                        <a:t>6329</a:t>
+                      </a:r>
+                      <a:endParaRPr lang="en-SG" sz="1600" b="0" i="0" u="none" strike="noStrike">
+                        <a:solidFill>
+                          <a:srgbClr val="000000"/>
+                        </a:solidFill>
+                        <a:effectLst/>
+                        <a:latin typeface="Liberation Sans"/>
+                      </a:endParaRPr>
+                    </a:p>
+                  </a:txBody>
+                  <a:tcPr marL="9525" marR="9525" marT="9525" marB="0" anchor="b"/>
+                </a:tc>
+                <a:tc>
+                  <a:txBody>
+                    <a:bodyPr/>
+                    <a:lstStyle/>
+                    <a:p>
+                      <a:pPr algn="ctr" fontAlgn="b"/>
+                      <a:r>
+                        <a:rPr lang="en-SG" sz="1600" u="none" strike="noStrike">
+                          <a:effectLst/>
+                        </a:rPr>
+                        <a:t>888</a:t>
+                      </a:r>
+                      <a:endParaRPr lang="en-SG" sz="1600" b="0" i="0" u="none" strike="noStrike">
+                        <a:solidFill>
+                          <a:srgbClr val="000000"/>
+                        </a:solidFill>
+                        <a:effectLst/>
+                        <a:latin typeface="Liberation Sans"/>
+                      </a:endParaRPr>
+                    </a:p>
+                  </a:txBody>
+                  <a:tcPr marL="9525" marR="9525" marT="9525" marB="0" anchor="b"/>
+                </a:tc>
+                <a:tc>
+                  <a:txBody>
+                    <a:bodyPr/>
+                    <a:lstStyle/>
+                    <a:p>
+                      <a:pPr algn="ctr" fontAlgn="b"/>
+                      <a:r>
+                        <a:rPr lang="en-SG" sz="1600" u="none" strike="noStrike">
+                          <a:effectLst/>
+                        </a:rPr>
+                        <a:t>773</a:t>
+                      </a:r>
+                      <a:endParaRPr lang="en-SG" sz="1600" b="0" i="0" u="none" strike="noStrike">
+                        <a:solidFill>
+                          <a:srgbClr val="000000"/>
+                        </a:solidFill>
+                        <a:effectLst/>
+                        <a:latin typeface="Liberation Sans"/>
+                      </a:endParaRPr>
+                    </a:p>
+                  </a:txBody>
+                  <a:tcPr marL="9525" marR="9525" marT="9525" marB="0" anchor="b"/>
+                </a:tc>
+                <a:extLst>
+                  <a:ext uri="{0D108BD9-81ED-4DB2-BD59-A6C34878D82A}">
+                    <a16:rowId xmlns:a16="http://schemas.microsoft.com/office/drawing/2014/main" val="172969485"/>
+                  </a:ext>
+                </a:extLst>
+              </a:tr>
+              <a:tr h="448629">
+                <a:tc>
+                  <a:txBody>
+                    <a:bodyPr/>
+                    <a:lstStyle/>
+                    <a:p>
+                      <a:pPr algn="ctr" fontAlgn="b"/>
+                      <a:r>
+                        <a:rPr lang="en-SG" sz="1600" u="none" strike="noStrike">
+                          <a:effectLst/>
+                        </a:rPr>
+                        <a:t>17</a:t>
+                      </a:r>
+                      <a:endParaRPr lang="en-SG" sz="1600" b="0" i="0" u="none" strike="noStrike">
+                        <a:solidFill>
+                          <a:srgbClr val="000000"/>
+                        </a:solidFill>
+                        <a:effectLst/>
+                        <a:latin typeface="Liberation Sans"/>
+                      </a:endParaRPr>
+                    </a:p>
+                  </a:txBody>
+                  <a:tcPr marL="9525" marR="9525" marT="9525" marB="0" anchor="b"/>
+                </a:tc>
+                <a:tc>
+                  <a:txBody>
+                    <a:bodyPr/>
+                    <a:lstStyle/>
+                    <a:p>
+                      <a:pPr algn="ctr" fontAlgn="b"/>
+                      <a:r>
+                        <a:rPr lang="en-SG" sz="1600" u="none" strike="noStrike">
+                          <a:effectLst/>
+                        </a:rPr>
+                        <a:t>Streptomyces coelicolor</a:t>
+                      </a:r>
+                      <a:endParaRPr lang="en-SG" sz="1600" b="0" i="0" u="none" strike="noStrike">
+                        <a:solidFill>
+                          <a:srgbClr val="000000"/>
+                        </a:solidFill>
+                        <a:effectLst/>
+                        <a:latin typeface="Liberation Sans"/>
+                      </a:endParaRPr>
+                    </a:p>
+                  </a:txBody>
+                  <a:tcPr marL="9525" marR="9525" marT="9525" marB="0" anchor="b"/>
+                </a:tc>
+                <a:tc>
+                  <a:txBody>
+                    <a:bodyPr/>
+                    <a:lstStyle/>
+                    <a:p>
+                      <a:pPr algn="ctr" fontAlgn="b"/>
+                      <a:r>
+                        <a:rPr lang="en-SG" sz="1600" u="none" strike="noStrike">
+                          <a:effectLst/>
+                        </a:rPr>
+                        <a:t>8548</a:t>
+                      </a:r>
+                      <a:endParaRPr lang="en-SG" sz="1600" b="0" i="0" u="none" strike="noStrike">
+                        <a:solidFill>
+                          <a:srgbClr val="000000"/>
+                        </a:solidFill>
+                        <a:effectLst/>
+                        <a:latin typeface="Liberation Sans"/>
+                      </a:endParaRPr>
+                    </a:p>
+                  </a:txBody>
+                  <a:tcPr marL="9525" marR="9525" marT="9525" marB="0" anchor="b"/>
+                </a:tc>
+                <a:tc>
+                  <a:txBody>
+                    <a:bodyPr/>
+                    <a:lstStyle/>
+                    <a:p>
+                      <a:pPr algn="ctr" fontAlgn="b"/>
+                      <a:r>
+                        <a:rPr lang="en-SG" sz="1600" u="none" strike="noStrike">
+                          <a:effectLst/>
+                        </a:rPr>
+                        <a:t>8175</a:t>
+                      </a:r>
+                      <a:endParaRPr lang="en-SG" sz="1600" b="0" i="0" u="none" strike="noStrike">
+                        <a:solidFill>
+                          <a:srgbClr val="000000"/>
+                        </a:solidFill>
+                        <a:effectLst/>
+                        <a:latin typeface="Liberation Sans"/>
+                      </a:endParaRPr>
+                    </a:p>
+                  </a:txBody>
+                  <a:tcPr marL="9525" marR="9525" marT="9525" marB="0" anchor="b"/>
+                </a:tc>
+                <a:tc>
+                  <a:txBody>
+                    <a:bodyPr/>
+                    <a:lstStyle/>
+                    <a:p>
+                      <a:pPr algn="ctr" fontAlgn="b"/>
+                      <a:r>
+                        <a:rPr lang="en-SG" sz="1600" u="none" strike="noStrike">
+                          <a:effectLst/>
+                        </a:rPr>
+                        <a:t>939</a:t>
+                      </a:r>
+                      <a:endParaRPr lang="en-SG" sz="1600" b="0" i="0" u="none" strike="noStrike">
+                        <a:solidFill>
+                          <a:srgbClr val="000000"/>
+                        </a:solidFill>
+                        <a:effectLst/>
+                        <a:latin typeface="Liberation Sans"/>
+                      </a:endParaRPr>
+                    </a:p>
+                  </a:txBody>
+                  <a:tcPr marL="9525" marR="9525" marT="9525" marB="0" anchor="b"/>
+                </a:tc>
+                <a:tc>
+                  <a:txBody>
+                    <a:bodyPr/>
+                    <a:lstStyle/>
+                    <a:p>
+                      <a:pPr algn="ctr" fontAlgn="b"/>
+                      <a:r>
+                        <a:rPr lang="en-SG" sz="1600" u="none" strike="noStrike">
+                          <a:effectLst/>
+                        </a:rPr>
+                        <a:t>954</a:t>
+                      </a:r>
+                      <a:endParaRPr lang="en-SG" sz="1600" b="0" i="0" u="none" strike="noStrike">
+                        <a:solidFill>
+                          <a:srgbClr val="000000"/>
+                        </a:solidFill>
+                        <a:effectLst/>
+                        <a:latin typeface="Liberation Sans"/>
+                      </a:endParaRPr>
+                    </a:p>
+                  </a:txBody>
+                  <a:tcPr marL="9525" marR="9525" marT="9525" marB="0" anchor="b"/>
+                </a:tc>
+                <a:extLst>
+                  <a:ext uri="{0D108BD9-81ED-4DB2-BD59-A6C34878D82A}">
+                    <a16:rowId xmlns:a16="http://schemas.microsoft.com/office/drawing/2014/main" val="1299331418"/>
+                  </a:ext>
+                </a:extLst>
+              </a:tr>
+              <a:tr h="610820">
+                <a:tc>
+                  <a:txBody>
+                    <a:bodyPr/>
+                    <a:lstStyle/>
+                    <a:p>
+                      <a:pPr algn="ctr" fontAlgn="b"/>
+                      <a:r>
+                        <a:rPr lang="en-SG" sz="1600" u="none" strike="noStrike">
+                          <a:effectLst/>
+                        </a:rPr>
+                        <a:t>24</a:t>
+                      </a:r>
+                      <a:endParaRPr lang="en-SG" sz="1600" b="0" i="0" u="none" strike="noStrike">
+                        <a:solidFill>
+                          <a:srgbClr val="000000"/>
+                        </a:solidFill>
+                        <a:effectLst/>
+                        <a:latin typeface="Liberation Sans"/>
+                      </a:endParaRPr>
+                    </a:p>
+                  </a:txBody>
+                  <a:tcPr marL="9525" marR="9525" marT="9525" marB="0" anchor="b"/>
+                </a:tc>
+                <a:tc>
+                  <a:txBody>
+                    <a:bodyPr/>
+                    <a:lstStyle/>
+                    <a:p>
+                      <a:pPr algn="ctr" fontAlgn="b"/>
+                      <a:r>
+                        <a:rPr lang="en-SG" sz="1600" u="none" strike="noStrike" dirty="0">
+                          <a:effectLst/>
+                        </a:rPr>
+                        <a:t>Saccharomyces cerevisiae ch4</a:t>
+                      </a:r>
+                      <a:endParaRPr lang="en-SG" sz="1600" b="0" i="0" u="none" strike="noStrike" dirty="0">
+                        <a:solidFill>
+                          <a:srgbClr val="000000"/>
+                        </a:solidFill>
+                        <a:effectLst/>
+                        <a:latin typeface="Liberation Sans"/>
+                      </a:endParaRPr>
+                    </a:p>
+                  </a:txBody>
+                  <a:tcPr marL="9525" marR="9525" marT="9525" marB="0" anchor="b"/>
+                </a:tc>
+                <a:tc>
+                  <a:txBody>
+                    <a:bodyPr/>
+                    <a:lstStyle/>
+                    <a:p>
+                      <a:pPr algn="ctr" fontAlgn="b"/>
+                      <a:r>
+                        <a:rPr lang="en-SG" sz="1600" u="none" strike="noStrike">
+                          <a:effectLst/>
+                        </a:rPr>
+                        <a:t>921</a:t>
+                      </a:r>
+                      <a:endParaRPr lang="en-SG" sz="1600" b="0" i="0" u="none" strike="noStrike">
+                        <a:solidFill>
+                          <a:srgbClr val="000000"/>
+                        </a:solidFill>
+                        <a:effectLst/>
+                        <a:latin typeface="Liberation Sans"/>
+                      </a:endParaRPr>
+                    </a:p>
+                  </a:txBody>
+                  <a:tcPr marL="9525" marR="9525" marT="9525" marB="0" anchor="b"/>
+                </a:tc>
+                <a:tc>
+                  <a:txBody>
+                    <a:bodyPr/>
+                    <a:lstStyle/>
+                    <a:p>
+                      <a:pPr algn="ctr" fontAlgn="b"/>
+                      <a:r>
+                        <a:rPr lang="en-SG" sz="1600" u="none" strike="noStrike">
+                          <a:effectLst/>
+                        </a:rPr>
+                        <a:t>1604</a:t>
+                      </a:r>
+                      <a:endParaRPr lang="en-SG" sz="1600" b="0" i="0" u="none" strike="noStrike">
+                        <a:solidFill>
+                          <a:srgbClr val="000000"/>
+                        </a:solidFill>
+                        <a:effectLst/>
+                        <a:latin typeface="Liberation Sans"/>
+                      </a:endParaRPr>
+                    </a:p>
+                  </a:txBody>
+                  <a:tcPr marL="9525" marR="9525" marT="9525" marB="0" anchor="b"/>
+                </a:tc>
+                <a:tc>
+                  <a:txBody>
+                    <a:bodyPr/>
+                    <a:lstStyle/>
+                    <a:p>
+                      <a:pPr algn="ctr" fontAlgn="b"/>
+                      <a:r>
+                        <a:rPr lang="en-SG" sz="1600" u="none" strike="noStrike">
+                          <a:effectLst/>
+                        </a:rPr>
+                        <a:t>1235</a:t>
+                      </a:r>
+                      <a:endParaRPr lang="en-SG" sz="1600" b="0" i="0" u="none" strike="noStrike">
+                        <a:solidFill>
+                          <a:srgbClr val="000000"/>
+                        </a:solidFill>
+                        <a:effectLst/>
+                        <a:latin typeface="Liberation Sans"/>
+                      </a:endParaRPr>
+                    </a:p>
+                  </a:txBody>
+                  <a:tcPr marL="9525" marR="9525" marT="9525" marB="0" anchor="b"/>
+                </a:tc>
+                <a:tc>
+                  <a:txBody>
+                    <a:bodyPr/>
+                    <a:lstStyle/>
+                    <a:p>
+                      <a:pPr algn="ctr" fontAlgn="b"/>
+                      <a:r>
+                        <a:rPr lang="en-SG" sz="1600" u="none" strike="noStrike">
+                          <a:effectLst/>
+                        </a:rPr>
+                        <a:t>782</a:t>
+                      </a:r>
+                      <a:endParaRPr lang="en-SG" sz="1600" b="0" i="0" u="none" strike="noStrike">
+                        <a:solidFill>
+                          <a:srgbClr val="000000"/>
+                        </a:solidFill>
+                        <a:effectLst/>
+                        <a:latin typeface="Liberation Sans"/>
+                      </a:endParaRPr>
+                    </a:p>
+                  </a:txBody>
+                  <a:tcPr marL="9525" marR="9525" marT="9525" marB="0" anchor="b"/>
+                </a:tc>
+                <a:extLst>
+                  <a:ext uri="{0D108BD9-81ED-4DB2-BD59-A6C34878D82A}">
+                    <a16:rowId xmlns:a16="http://schemas.microsoft.com/office/drawing/2014/main" val="3007129999"/>
+                  </a:ext>
+                </a:extLst>
+              </a:tr>
+              <a:tr h="448629">
+                <a:tc>
+                  <a:txBody>
+                    <a:bodyPr/>
+                    <a:lstStyle/>
+                    <a:p>
+                      <a:pPr algn="ctr" fontAlgn="b"/>
+                      <a:r>
+                        <a:rPr lang="en-SG" sz="1600" u="none" strike="noStrike">
+                          <a:effectLst/>
+                        </a:rPr>
+                        <a:t>49</a:t>
+                      </a:r>
+                      <a:endParaRPr lang="en-SG" sz="1600" b="0" i="0" u="none" strike="noStrike">
+                        <a:solidFill>
+                          <a:srgbClr val="000000"/>
+                        </a:solidFill>
+                        <a:effectLst/>
+                        <a:latin typeface="Liberation Sans"/>
+                      </a:endParaRPr>
+                    </a:p>
+                  </a:txBody>
+                  <a:tcPr marL="9525" marR="9525" marT="9525" marB="0" anchor="b"/>
+                </a:tc>
+                <a:tc>
+                  <a:txBody>
+                    <a:bodyPr/>
+                    <a:lstStyle/>
+                    <a:p>
+                      <a:pPr algn="ctr" fontAlgn="b"/>
+                      <a:r>
+                        <a:rPr lang="en-SG" sz="1600" u="none" strike="noStrike">
+                          <a:effectLst/>
+                        </a:rPr>
+                        <a:t>Rubrobacter xylanophilus</a:t>
+                      </a:r>
+                      <a:endParaRPr lang="en-SG" sz="1600" b="0" i="0" u="none" strike="noStrike">
+                        <a:solidFill>
+                          <a:srgbClr val="000000"/>
+                        </a:solidFill>
+                        <a:effectLst/>
+                        <a:latin typeface="Liberation Sans"/>
+                      </a:endParaRPr>
+                    </a:p>
+                  </a:txBody>
+                  <a:tcPr marL="9525" marR="9525" marT="9525" marB="0" anchor="b"/>
+                </a:tc>
+                <a:tc>
+                  <a:txBody>
+                    <a:bodyPr/>
+                    <a:lstStyle/>
+                    <a:p>
+                      <a:pPr algn="ctr" fontAlgn="b"/>
+                      <a:r>
+                        <a:rPr lang="en-SG" sz="1600" u="none" strike="noStrike">
+                          <a:effectLst/>
+                        </a:rPr>
+                        <a:t>3375</a:t>
+                      </a:r>
+                      <a:endParaRPr lang="en-SG" sz="1600" b="0" i="0" u="none" strike="noStrike">
+                        <a:solidFill>
+                          <a:srgbClr val="000000"/>
+                        </a:solidFill>
+                        <a:effectLst/>
+                        <a:latin typeface="Liberation Sans"/>
+                      </a:endParaRPr>
+                    </a:p>
+                  </a:txBody>
+                  <a:tcPr marL="9525" marR="9525" marT="9525" marB="0" anchor="b"/>
+                </a:tc>
+                <a:tc>
+                  <a:txBody>
+                    <a:bodyPr/>
+                    <a:lstStyle/>
+                    <a:p>
+                      <a:pPr algn="ctr" fontAlgn="b"/>
+                      <a:r>
+                        <a:rPr lang="en-SG" sz="1600" u="none" strike="noStrike">
+                          <a:effectLst/>
+                        </a:rPr>
+                        <a:t>3167</a:t>
+                      </a:r>
+                      <a:endParaRPr lang="en-SG" sz="1600" b="0" i="0" u="none" strike="noStrike">
+                        <a:solidFill>
+                          <a:srgbClr val="000000"/>
+                        </a:solidFill>
+                        <a:effectLst/>
+                        <a:latin typeface="Liberation Sans"/>
+                      </a:endParaRPr>
+                    </a:p>
+                  </a:txBody>
+                  <a:tcPr marL="9525" marR="9525" marT="9525" marB="0" anchor="b"/>
+                </a:tc>
+                <a:tc>
+                  <a:txBody>
+                    <a:bodyPr/>
+                    <a:lstStyle/>
+                    <a:p>
+                      <a:pPr algn="ctr" fontAlgn="b"/>
+                      <a:r>
+                        <a:rPr lang="en-SG" sz="1600" u="none" strike="noStrike">
+                          <a:effectLst/>
+                        </a:rPr>
+                        <a:t>879</a:t>
+                      </a:r>
+                      <a:endParaRPr lang="en-SG" sz="1600" b="0" i="0" u="none" strike="noStrike">
+                        <a:solidFill>
+                          <a:srgbClr val="000000"/>
+                        </a:solidFill>
+                        <a:effectLst/>
+                        <a:latin typeface="Liberation Sans"/>
+                      </a:endParaRPr>
+                    </a:p>
+                  </a:txBody>
+                  <a:tcPr marL="9525" marR="9525" marT="9525" marB="0" anchor="b"/>
+                </a:tc>
+                <a:tc>
+                  <a:txBody>
+                    <a:bodyPr/>
+                    <a:lstStyle/>
+                    <a:p>
+                      <a:pPr algn="ctr" fontAlgn="b"/>
+                      <a:r>
+                        <a:rPr lang="en-SG" sz="1600" u="none" strike="noStrike">
+                          <a:effectLst/>
+                        </a:rPr>
+                        <a:t>869</a:t>
+                      </a:r>
+                      <a:endParaRPr lang="en-SG" sz="1600" b="0" i="0" u="none" strike="noStrike">
+                        <a:solidFill>
+                          <a:srgbClr val="000000"/>
+                        </a:solidFill>
+                        <a:effectLst/>
+                        <a:latin typeface="Liberation Sans"/>
+                      </a:endParaRPr>
+                    </a:p>
+                  </a:txBody>
+                  <a:tcPr marL="9525" marR="9525" marT="9525" marB="0" anchor="b"/>
+                </a:tc>
+                <a:extLst>
+                  <a:ext uri="{0D108BD9-81ED-4DB2-BD59-A6C34878D82A}">
+                    <a16:rowId xmlns:a16="http://schemas.microsoft.com/office/drawing/2014/main" val="1703845250"/>
+                  </a:ext>
+                </a:extLst>
+              </a:tr>
+              <a:tr h="448629">
+                <a:tc>
+                  <a:txBody>
+                    <a:bodyPr/>
+                    <a:lstStyle/>
+                    <a:p>
+                      <a:pPr algn="ctr" fontAlgn="b"/>
+                      <a:r>
+                        <a:rPr lang="en-SG" sz="1600" u="none" strike="noStrike">
+                          <a:effectLst/>
+                        </a:rPr>
+                        <a:t>51</a:t>
+                      </a:r>
+                      <a:endParaRPr lang="en-SG" sz="1600" b="0" i="0" u="none" strike="noStrike">
+                        <a:solidFill>
+                          <a:srgbClr val="000000"/>
+                        </a:solidFill>
+                        <a:effectLst/>
+                        <a:latin typeface="Liberation Sans"/>
+                      </a:endParaRPr>
+                    </a:p>
+                  </a:txBody>
+                  <a:tcPr marL="9525" marR="9525" marT="9525" marB="0" anchor="b"/>
+                </a:tc>
+                <a:tc>
+                  <a:txBody>
+                    <a:bodyPr/>
+                    <a:lstStyle/>
+                    <a:p>
+                      <a:pPr algn="ctr" fontAlgn="b"/>
+                      <a:r>
+                        <a:rPr lang="en-SG" sz="1600" u="none" strike="noStrike">
+                          <a:effectLst/>
+                        </a:rPr>
+                        <a:t>Spiribacter curvatus</a:t>
+                      </a:r>
+                      <a:endParaRPr lang="en-SG" sz="1600" b="0" i="0" u="none" strike="noStrike">
+                        <a:solidFill>
+                          <a:srgbClr val="000000"/>
+                        </a:solidFill>
+                        <a:effectLst/>
+                        <a:latin typeface="Liberation Sans"/>
+                      </a:endParaRPr>
+                    </a:p>
+                  </a:txBody>
+                  <a:tcPr marL="9525" marR="9525" marT="9525" marB="0" anchor="b"/>
+                </a:tc>
+                <a:tc>
+                  <a:txBody>
+                    <a:bodyPr/>
+                    <a:lstStyle/>
+                    <a:p>
+                      <a:pPr algn="ctr" fontAlgn="b"/>
+                      <a:r>
+                        <a:rPr lang="en-SG" sz="1600" u="none" strike="noStrike">
+                          <a:effectLst/>
+                        </a:rPr>
+                        <a:t>1862</a:t>
+                      </a:r>
+                      <a:endParaRPr lang="en-SG" sz="1600" b="0" i="0" u="none" strike="noStrike">
+                        <a:solidFill>
+                          <a:srgbClr val="000000"/>
+                        </a:solidFill>
+                        <a:effectLst/>
+                        <a:latin typeface="Liberation Sans"/>
+                      </a:endParaRPr>
+                    </a:p>
+                  </a:txBody>
+                  <a:tcPr marL="9525" marR="9525" marT="9525" marB="0" anchor="b"/>
+                </a:tc>
+                <a:tc>
+                  <a:txBody>
+                    <a:bodyPr/>
+                    <a:lstStyle/>
+                    <a:p>
+                      <a:pPr algn="ctr" fontAlgn="b"/>
+                      <a:r>
+                        <a:rPr lang="en-SG" sz="1600" u="none" strike="noStrike">
+                          <a:effectLst/>
+                        </a:rPr>
+                        <a:t>1955</a:t>
+                      </a:r>
+                      <a:endParaRPr lang="en-SG" sz="1600" b="0" i="0" u="none" strike="noStrike">
+                        <a:solidFill>
+                          <a:srgbClr val="000000"/>
+                        </a:solidFill>
+                        <a:effectLst/>
+                        <a:latin typeface="Liberation Sans"/>
+                      </a:endParaRPr>
+                    </a:p>
+                  </a:txBody>
+                  <a:tcPr marL="9525" marR="9525" marT="9525" marB="0" anchor="b"/>
+                </a:tc>
+                <a:tc>
+                  <a:txBody>
+                    <a:bodyPr/>
+                    <a:lstStyle/>
+                    <a:p>
+                      <a:pPr algn="ctr" fontAlgn="b"/>
+                      <a:r>
+                        <a:rPr lang="en-SG" sz="1600" u="none" strike="noStrike">
+                          <a:effectLst/>
+                        </a:rPr>
+                        <a:t>973</a:t>
+                      </a:r>
+                      <a:endParaRPr lang="en-SG" sz="1600" b="0" i="0" u="none" strike="noStrike">
+                        <a:solidFill>
+                          <a:srgbClr val="000000"/>
+                        </a:solidFill>
+                        <a:effectLst/>
+                        <a:latin typeface="Liberation Sans"/>
+                      </a:endParaRPr>
+                    </a:p>
+                  </a:txBody>
+                  <a:tcPr marL="9525" marR="9525" marT="9525" marB="0" anchor="b"/>
+                </a:tc>
+                <a:tc>
+                  <a:txBody>
+                    <a:bodyPr/>
+                    <a:lstStyle/>
+                    <a:p>
+                      <a:pPr algn="ctr" fontAlgn="b"/>
+                      <a:r>
+                        <a:rPr lang="en-SG" sz="1600" u="none" strike="noStrike" dirty="0">
+                          <a:effectLst/>
+                        </a:rPr>
+                        <a:t>897</a:t>
+                      </a:r>
+                      <a:endParaRPr lang="en-SG" sz="1600" b="0" i="0" u="none" strike="noStrike" dirty="0">
+                        <a:solidFill>
+                          <a:srgbClr val="000000"/>
+                        </a:solidFill>
+                        <a:effectLst/>
+                        <a:latin typeface="Liberation Sans"/>
+                      </a:endParaRPr>
+                    </a:p>
+                  </a:txBody>
+                  <a:tcPr marL="9525" marR="9525" marT="9525" marB="0" anchor="b"/>
+                </a:tc>
+                <a:extLst>
+                  <a:ext uri="{0D108BD9-81ED-4DB2-BD59-A6C34878D82A}">
+                    <a16:rowId xmlns:a16="http://schemas.microsoft.com/office/drawing/2014/main" val="3524539160"/>
+                  </a:ext>
+                </a:extLst>
+              </a:tr>
+            </a:tbl>
+          </a:graphicData>
+        </a:graphic>
+      </p:graphicFrame>
+    </p:spTree>
+    <p:extLst>
+      <p:ext uri="{BB962C8B-B14F-4D97-AF65-F5344CB8AC3E}">
+        <p14:creationId xmlns:p14="http://schemas.microsoft.com/office/powerpoint/2010/main" val="157327692"/>
+      </p:ext>
+    </p:extLst>
+  </p:cSld>
+  <p:clrMapOvr>
+    <a:masterClrMapping/>
+  </p:clrMapOvr>
+</p:sld>
+</file>
+
+<file path=ppt/slides/slide6.xml><?xml version="1.0" encoding="utf-8"?>
+<p:sld xmlns:a="http://schemas.openxmlformats.org/drawingml/2006/main" xmlns:r="http://schemas.openxmlformats.org/officeDocument/2006/relationships" xmlns:p="http://schemas.openxmlformats.org/presentationml/2006/main">
+  <p:cSld>
+    <p:spTree>
+      <p:nvGrpSpPr>
+        <p:cNvPr id="1" name=""/>
+        <p:cNvGrpSpPr/>
+        <p:nvPr/>
+      </p:nvGrpSpPr>
+      <p:grpSpPr>
+        <a:xfrm>
+          <a:off x="0" y="0"/>
+          <a:ext cx="0" cy="0"/>
+          <a:chOff x="0" y="0"/>
+          <a:chExt cx="0" cy="0"/>
+        </a:xfrm>
+      </p:grpSpPr>
+      <p:sp>
+        <p:nvSpPr>
+          <p:cNvPr id="2" name="Title 1">
+            <a:extLst>
+              <a:ext uri="{FF2B5EF4-FFF2-40B4-BE49-F238E27FC236}">
+                <a16:creationId xmlns:a16="http://schemas.microsoft.com/office/drawing/2014/main" id="{E00DECB2-2A6D-3F4D-B0E9-EF7D6D94CBFD}"/>
+              </a:ext>
+            </a:extLst>
+          </p:cNvPr>
+          <p:cNvSpPr>
+            <a:spLocks noGrp="1"/>
+          </p:cNvSpPr>
+          <p:nvPr>
+            <p:ph type="title"/>
+          </p:nvPr>
+        </p:nvSpPr>
+        <p:spPr>
+          <a:xfrm>
+            <a:off x="838200" y="365125"/>
+            <a:ext cx="10515600" cy="1325563"/>
+          </a:xfrm>
+        </p:spPr>
+        <p:txBody>
+          <a:bodyPr/>
+          <a:lstStyle/>
+          <a:p>
+            <a:r>
+              <a:rPr lang="en-US" dirty="0"/>
+              <a:t>Comparison with Glimmer (“ground truth”)</a:t>
+            </a:r>
+          </a:p>
+        </p:txBody>
+      </p:sp>
+      <p:graphicFrame>
+        <p:nvGraphicFramePr>
+          <p:cNvPr id="6" name="Content Placeholder 5">
+            <a:extLst>
+              <a:ext uri="{FF2B5EF4-FFF2-40B4-BE49-F238E27FC236}">
+                <a16:creationId xmlns:a16="http://schemas.microsoft.com/office/drawing/2014/main" id="{996FD10D-A668-954F-BD1A-A83D832F0899}"/>
+              </a:ext>
+            </a:extLst>
+          </p:cNvPr>
+          <p:cNvGraphicFramePr>
+            <a:graphicFrameLocks noGrp="1"/>
+          </p:cNvGraphicFramePr>
+          <p:nvPr>
+            <p:ph idx="1"/>
+            <p:extLst>
+              <p:ext uri="{D42A27DB-BD31-4B8C-83A1-F6EECF244321}">
+                <p14:modId xmlns:p14="http://schemas.microsoft.com/office/powerpoint/2010/main" val="2377818059"/>
+              </p:ext>
+            </p:extLst>
+          </p:nvPr>
+        </p:nvGraphicFramePr>
+        <p:xfrm>
+          <a:off x="879475" y="2291190"/>
+          <a:ext cx="10433050" cy="2834166"/>
+        </p:xfrm>
+        <a:graphic>
+          <a:graphicData uri="http://schemas.openxmlformats.org/drawingml/2006/table">
+            <a:tbl>
+              <a:tblPr>
+                <a:tableStyleId>{5C22544A-7EE6-4342-B048-85BDC9FD1C3A}</a:tableStyleId>
+              </a:tblPr>
+              <a:tblGrid>
+                <a:gridCol w="1659340">
+                  <a:extLst>
+                    <a:ext uri="{9D8B030D-6E8A-4147-A177-3AD203B41FA5}">
+                      <a16:colId xmlns:a16="http://schemas.microsoft.com/office/drawing/2014/main" val="284297394"/>
+                    </a:ext>
+                  </a:extLst>
+                </a:gridCol>
+                <a:gridCol w="2513880">
+                  <a:extLst>
+                    <a:ext uri="{9D8B030D-6E8A-4147-A177-3AD203B41FA5}">
+                      <a16:colId xmlns:a16="http://schemas.microsoft.com/office/drawing/2014/main" val="177517811"/>
+                    </a:ext>
+                  </a:extLst>
+                </a:gridCol>
+                <a:gridCol w="2086610">
+                  <a:extLst>
+                    <a:ext uri="{9D8B030D-6E8A-4147-A177-3AD203B41FA5}">
+                      <a16:colId xmlns:a16="http://schemas.microsoft.com/office/drawing/2014/main" val="3690755752"/>
+                    </a:ext>
+                  </a:extLst>
+                </a:gridCol>
+                <a:gridCol w="2086610">
+                  <a:extLst>
+                    <a:ext uri="{9D8B030D-6E8A-4147-A177-3AD203B41FA5}">
+                      <a16:colId xmlns:a16="http://schemas.microsoft.com/office/drawing/2014/main" val="57277468"/>
+                    </a:ext>
+                  </a:extLst>
+                </a:gridCol>
+                <a:gridCol w="2086610">
+                  <a:extLst>
+                    <a:ext uri="{9D8B030D-6E8A-4147-A177-3AD203B41FA5}">
+                      <a16:colId xmlns:a16="http://schemas.microsoft.com/office/drawing/2014/main" val="3892588513"/>
+                    </a:ext>
+                  </a:extLst>
+                </a:gridCol>
+              </a:tblGrid>
+              <a:tr h="472361">
+                <a:tc>
+                  <a:txBody>
+                    <a:bodyPr/>
+                    <a:lstStyle/>
+                    <a:p>
+                      <a:pPr algn="ctr" fontAlgn="b"/>
+                      <a:r>
+                        <a:rPr lang="en-SG" sz="1600" u="none" strike="noStrike">
+                          <a:effectLst/>
+                        </a:rPr>
+                        <a:t>Genome ID</a:t>
+                      </a:r>
+                      <a:endParaRPr lang="en-SG" sz="1600" b="1" i="0" u="none" strike="noStrike">
+                        <a:solidFill>
+                          <a:srgbClr val="000000"/>
+                        </a:solidFill>
+                        <a:effectLst/>
+                        <a:latin typeface="Liberation Sans"/>
+                      </a:endParaRPr>
+                    </a:p>
+                  </a:txBody>
+                  <a:tcPr marL="9525" marR="9525" marT="9525" marB="0" anchor="b"/>
+                </a:tc>
+                <a:tc>
+                  <a:txBody>
+                    <a:bodyPr/>
+                    <a:lstStyle/>
+                    <a:p>
+                      <a:pPr algn="ctr" fontAlgn="b"/>
+                      <a:r>
+                        <a:rPr lang="en-SG" sz="1600" u="none" strike="noStrike">
+                          <a:effectLst/>
+                        </a:rPr>
+                        <a:t>Species</a:t>
+                      </a:r>
+                      <a:endParaRPr lang="en-SG" sz="1600" b="1" i="0" u="none" strike="noStrike">
+                        <a:solidFill>
+                          <a:srgbClr val="000000"/>
+                        </a:solidFill>
+                        <a:effectLst/>
+                        <a:latin typeface="Liberation Sans"/>
+                      </a:endParaRPr>
+                    </a:p>
+                  </a:txBody>
+                  <a:tcPr marL="9525" marR="9525" marT="9525" marB="0" anchor="b"/>
+                </a:tc>
+                <a:tc>
+                  <a:txBody>
+                    <a:bodyPr/>
+                    <a:lstStyle/>
+                    <a:p>
+                      <a:pPr algn="ctr" fontAlgn="b"/>
+                      <a:r>
+                        <a:rPr lang="en-SG" sz="1600" u="none" strike="noStrike" dirty="0">
+                          <a:effectLst/>
+                        </a:rPr>
+                        <a:t>Sensitivity</a:t>
+                      </a:r>
+                      <a:endParaRPr lang="en-SG" sz="1600" b="1" i="0" u="none" strike="noStrike" dirty="0">
+                        <a:solidFill>
+                          <a:srgbClr val="000000"/>
+                        </a:solidFill>
+                        <a:effectLst/>
+                        <a:latin typeface="Liberation Sans"/>
+                      </a:endParaRPr>
+                    </a:p>
+                  </a:txBody>
+                  <a:tcPr marL="9525" marR="9525" marT="9525" marB="0" anchor="b"/>
+                </a:tc>
+                <a:tc>
+                  <a:txBody>
+                    <a:bodyPr/>
+                    <a:lstStyle/>
+                    <a:p>
+                      <a:pPr algn="ctr" fontAlgn="b"/>
+                      <a:r>
+                        <a:rPr lang="en-SG" sz="1600" u="none" strike="noStrike" dirty="0">
+                          <a:effectLst/>
+                        </a:rPr>
+                        <a:t>Specificity</a:t>
+                      </a:r>
+                      <a:endParaRPr lang="en-SG" sz="1600" b="1" i="0" u="none" strike="noStrike" dirty="0">
+                        <a:solidFill>
+                          <a:srgbClr val="000000"/>
+                        </a:solidFill>
+                        <a:effectLst/>
+                        <a:latin typeface="Liberation Sans"/>
+                      </a:endParaRPr>
+                    </a:p>
+                  </a:txBody>
+                  <a:tcPr marL="9525" marR="9525" marT="9525" marB="0" anchor="b"/>
+                </a:tc>
+                <a:tc>
+                  <a:txBody>
+                    <a:bodyPr/>
+                    <a:lstStyle/>
+                    <a:p>
+                      <a:pPr algn="ctr" fontAlgn="b"/>
+                      <a:r>
+                        <a:rPr lang="en-SG" sz="1600" u="none" strike="noStrike">
+                          <a:effectLst/>
+                        </a:rPr>
+                        <a:t>AC</a:t>
+                      </a:r>
+                      <a:endParaRPr lang="en-SG" sz="1600" b="1" i="0" u="none" strike="noStrike">
+                        <a:solidFill>
+                          <a:srgbClr val="000000"/>
+                        </a:solidFill>
+                        <a:effectLst/>
+                        <a:latin typeface="Liberation Sans"/>
+                      </a:endParaRPr>
+                    </a:p>
+                  </a:txBody>
+                  <a:tcPr marL="9525" marR="9525" marT="9525" marB="0" anchor="b"/>
+                </a:tc>
+                <a:extLst>
+                  <a:ext uri="{0D108BD9-81ED-4DB2-BD59-A6C34878D82A}">
+                    <a16:rowId xmlns:a16="http://schemas.microsoft.com/office/drawing/2014/main" val="1290706802"/>
+                  </a:ext>
+                </a:extLst>
+              </a:tr>
+              <a:tr h="472361">
+                <a:tc>
+                  <a:txBody>
+                    <a:bodyPr/>
+                    <a:lstStyle/>
+                    <a:p>
+                      <a:pPr algn="ctr" fontAlgn="b"/>
+                      <a:r>
+                        <a:rPr lang="en-SG" sz="1600" u="none" strike="noStrike">
+                          <a:effectLst/>
+                        </a:rPr>
+                        <a:t>9</a:t>
+                      </a:r>
+                      <a:endParaRPr lang="en-SG" sz="1600" b="0" i="0" u="none" strike="noStrike">
+                        <a:solidFill>
+                          <a:srgbClr val="000000"/>
+                        </a:solidFill>
+                        <a:effectLst/>
+                        <a:latin typeface="Liberation Sans"/>
+                      </a:endParaRPr>
+                    </a:p>
+                  </a:txBody>
+                  <a:tcPr marL="9525" marR="9525" marT="9525" marB="0" anchor="b"/>
+                </a:tc>
+                <a:tc>
+                  <a:txBody>
+                    <a:bodyPr/>
+                    <a:lstStyle/>
+                    <a:p>
+                      <a:pPr algn="ctr" fontAlgn="b"/>
+                      <a:r>
+                        <a:rPr lang="en-SG" sz="1600" u="none" strike="noStrike">
+                          <a:effectLst/>
+                        </a:rPr>
+                        <a:t>Escherichia coli</a:t>
+                      </a:r>
+                      <a:endParaRPr lang="en-SG" sz="1600" b="0" i="0" u="none" strike="noStrike">
+                        <a:solidFill>
+                          <a:srgbClr val="000000"/>
+                        </a:solidFill>
+                        <a:effectLst/>
+                        <a:latin typeface="Liberation Sans"/>
+                      </a:endParaRPr>
+                    </a:p>
+                  </a:txBody>
+                  <a:tcPr marL="9525" marR="9525" marT="9525" marB="0" anchor="b"/>
+                </a:tc>
+                <a:tc>
+                  <a:txBody>
+                    <a:bodyPr/>
+                    <a:lstStyle/>
+                    <a:p>
+                      <a:pPr algn="ctr" fontAlgn="b"/>
+                      <a:r>
+                        <a:rPr lang="en-SG" sz="1600" u="none" strike="noStrike">
+                          <a:effectLst/>
+                        </a:rPr>
+                        <a:t>0.95</a:t>
+                      </a:r>
+                      <a:endParaRPr lang="en-SG" sz="1600" b="0" i="0" u="none" strike="noStrike">
+                        <a:solidFill>
+                          <a:srgbClr val="000000"/>
+                        </a:solidFill>
+                        <a:effectLst/>
+                        <a:latin typeface="Liberation Sans"/>
+                      </a:endParaRPr>
+                    </a:p>
+                  </a:txBody>
+                  <a:tcPr marL="9525" marR="9525" marT="9525" marB="0" anchor="b"/>
+                </a:tc>
+                <a:tc>
+                  <a:txBody>
+                    <a:bodyPr/>
+                    <a:lstStyle/>
+                    <a:p>
+                      <a:pPr algn="ctr" fontAlgn="b"/>
+                      <a:r>
+                        <a:rPr lang="en-SG" sz="1600" u="none" strike="noStrike">
+                          <a:effectLst/>
+                        </a:rPr>
+                        <a:t>0.917</a:t>
+                      </a:r>
+                      <a:endParaRPr lang="en-SG" sz="1600" b="0" i="0" u="none" strike="noStrike">
+                        <a:solidFill>
+                          <a:srgbClr val="000000"/>
+                        </a:solidFill>
+                        <a:effectLst/>
+                        <a:latin typeface="Liberation Sans"/>
+                      </a:endParaRPr>
+                    </a:p>
+                  </a:txBody>
+                  <a:tcPr marL="9525" marR="9525" marT="9525" marB="0" anchor="b"/>
+                </a:tc>
+                <a:tc>
+                  <a:txBody>
+                    <a:bodyPr/>
+                    <a:lstStyle/>
+                    <a:p>
+                      <a:pPr algn="ctr" fontAlgn="b"/>
+                      <a:r>
+                        <a:rPr lang="en-SG" sz="1600" u="none" strike="noStrike">
+                          <a:effectLst/>
+                        </a:rPr>
+                        <a:t>0.922</a:t>
+                      </a:r>
+                      <a:endParaRPr lang="en-SG" sz="1600" b="0" i="0" u="none" strike="noStrike">
+                        <a:solidFill>
+                          <a:srgbClr val="000000"/>
+                        </a:solidFill>
+                        <a:effectLst/>
+                        <a:latin typeface="Liberation Sans"/>
+                      </a:endParaRPr>
+                    </a:p>
+                  </a:txBody>
+                  <a:tcPr marL="9525" marR="9525" marT="9525" marB="0" anchor="b"/>
+                </a:tc>
+                <a:extLst>
+                  <a:ext uri="{0D108BD9-81ED-4DB2-BD59-A6C34878D82A}">
+                    <a16:rowId xmlns:a16="http://schemas.microsoft.com/office/drawing/2014/main" val="4054646142"/>
+                  </a:ext>
+                </a:extLst>
+              </a:tr>
+              <a:tr h="472361">
+                <a:tc>
+                  <a:txBody>
+                    <a:bodyPr/>
+                    <a:lstStyle/>
+                    <a:p>
+                      <a:pPr algn="ctr" fontAlgn="b"/>
+                      <a:r>
+                        <a:rPr lang="en-SG" sz="1600" u="none" strike="noStrike">
+                          <a:effectLst/>
+                        </a:rPr>
+                        <a:t>17</a:t>
+                      </a:r>
+                      <a:endParaRPr lang="en-SG" sz="1600" b="0" i="0" u="none" strike="noStrike">
+                        <a:solidFill>
+                          <a:srgbClr val="000000"/>
+                        </a:solidFill>
+                        <a:effectLst/>
+                        <a:latin typeface="Liberation Sans"/>
+                      </a:endParaRPr>
+                    </a:p>
+                  </a:txBody>
+                  <a:tcPr marL="9525" marR="9525" marT="9525" marB="0" anchor="b"/>
+                </a:tc>
+                <a:tc>
+                  <a:txBody>
+                    <a:bodyPr/>
+                    <a:lstStyle/>
+                    <a:p>
+                      <a:pPr algn="ctr" fontAlgn="b"/>
+                      <a:r>
+                        <a:rPr lang="en-SG" sz="1600" u="none" strike="noStrike" dirty="0">
+                          <a:effectLst/>
+                        </a:rPr>
+                        <a:t>Streptomyces </a:t>
+                      </a:r>
+                      <a:r>
+                        <a:rPr lang="en-SG" sz="1600" u="none" strike="noStrike" dirty="0" err="1">
+                          <a:effectLst/>
+                        </a:rPr>
+                        <a:t>coelicolor</a:t>
+                      </a:r>
+                      <a:endParaRPr lang="en-SG" sz="1600" b="0" i="0" u="none" strike="noStrike" dirty="0">
+                        <a:solidFill>
+                          <a:srgbClr val="000000"/>
+                        </a:solidFill>
+                        <a:effectLst/>
+                        <a:latin typeface="Liberation Sans"/>
+                      </a:endParaRPr>
+                    </a:p>
+                  </a:txBody>
+                  <a:tcPr marL="9525" marR="9525" marT="9525" marB="0" anchor="b"/>
+                </a:tc>
+                <a:tc>
+                  <a:txBody>
+                    <a:bodyPr/>
+                    <a:lstStyle/>
+                    <a:p>
+                      <a:pPr algn="ctr" fontAlgn="b"/>
+                      <a:r>
+                        <a:rPr lang="en-SG" sz="1600" u="none" strike="noStrike">
+                          <a:effectLst/>
+                        </a:rPr>
+                        <a:t>0.59</a:t>
+                      </a:r>
+                      <a:endParaRPr lang="en-SG" sz="1600" b="0" i="0" u="none" strike="noStrike">
+                        <a:solidFill>
+                          <a:srgbClr val="000000"/>
+                        </a:solidFill>
+                        <a:effectLst/>
+                        <a:latin typeface="Liberation Sans"/>
+                      </a:endParaRPr>
+                    </a:p>
+                  </a:txBody>
+                  <a:tcPr marL="9525" marR="9525" marT="9525" marB="0" anchor="b"/>
+                </a:tc>
+                <a:tc>
+                  <a:txBody>
+                    <a:bodyPr/>
+                    <a:lstStyle/>
+                    <a:p>
+                      <a:pPr algn="ctr" fontAlgn="b"/>
+                      <a:r>
+                        <a:rPr lang="en-SG" sz="1600" u="none" strike="noStrike">
+                          <a:effectLst/>
+                        </a:rPr>
+                        <a:t>0.61</a:t>
+                      </a:r>
+                      <a:endParaRPr lang="en-SG" sz="1600" b="0" i="0" u="none" strike="noStrike">
+                        <a:solidFill>
+                          <a:srgbClr val="000000"/>
+                        </a:solidFill>
+                        <a:effectLst/>
+                        <a:latin typeface="Liberation Sans"/>
+                      </a:endParaRPr>
+                    </a:p>
+                  </a:txBody>
+                  <a:tcPr marL="9525" marR="9525" marT="9525" marB="0" anchor="b"/>
+                </a:tc>
+                <a:tc>
+                  <a:txBody>
+                    <a:bodyPr/>
+                    <a:lstStyle/>
+                    <a:p>
+                      <a:pPr algn="ctr" fontAlgn="b"/>
+                      <a:r>
+                        <a:rPr lang="en-SG" sz="1600" u="none" strike="noStrike">
+                          <a:effectLst/>
+                        </a:rPr>
+                        <a:t>0.529</a:t>
+                      </a:r>
+                      <a:endParaRPr lang="en-SG" sz="1600" b="0" i="0" u="none" strike="noStrike">
+                        <a:solidFill>
+                          <a:srgbClr val="000000"/>
+                        </a:solidFill>
+                        <a:effectLst/>
+                        <a:latin typeface="Liberation Sans"/>
+                      </a:endParaRPr>
+                    </a:p>
+                  </a:txBody>
+                  <a:tcPr marL="9525" marR="9525" marT="9525" marB="0" anchor="b"/>
+                </a:tc>
+                <a:extLst>
+                  <a:ext uri="{0D108BD9-81ED-4DB2-BD59-A6C34878D82A}">
+                    <a16:rowId xmlns:a16="http://schemas.microsoft.com/office/drawing/2014/main" val="366817353"/>
+                  </a:ext>
+                </a:extLst>
+              </a:tr>
+              <a:tr h="472361">
+                <a:tc>
+                  <a:txBody>
+                    <a:bodyPr/>
+                    <a:lstStyle/>
+                    <a:p>
+                      <a:pPr algn="ctr" fontAlgn="b"/>
+                      <a:r>
+                        <a:rPr lang="en-SG" sz="1600" u="none" strike="noStrike">
+                          <a:effectLst/>
+                        </a:rPr>
+                        <a:t>24</a:t>
+                      </a:r>
+                      <a:endParaRPr lang="en-SG" sz="1600" b="0" i="0" u="none" strike="noStrike">
+                        <a:solidFill>
+                          <a:srgbClr val="000000"/>
+                        </a:solidFill>
+                        <a:effectLst/>
+                        <a:latin typeface="Liberation Sans"/>
+                      </a:endParaRPr>
+                    </a:p>
+                  </a:txBody>
+                  <a:tcPr marL="9525" marR="9525" marT="9525" marB="0" anchor="b"/>
+                </a:tc>
+                <a:tc>
+                  <a:txBody>
+                    <a:bodyPr/>
+                    <a:lstStyle/>
+                    <a:p>
+                      <a:pPr algn="ctr" fontAlgn="b"/>
+                      <a:r>
+                        <a:rPr lang="en-SG" sz="1600" u="none" strike="noStrike">
+                          <a:effectLst/>
+                        </a:rPr>
+                        <a:t>Saccharomyces cerevisiae ch4</a:t>
+                      </a:r>
+                      <a:endParaRPr lang="en-SG" sz="1600" b="0" i="0" u="none" strike="noStrike">
+                        <a:solidFill>
+                          <a:srgbClr val="000000"/>
+                        </a:solidFill>
+                        <a:effectLst/>
+                        <a:latin typeface="Liberation Sans"/>
+                      </a:endParaRPr>
+                    </a:p>
+                  </a:txBody>
+                  <a:tcPr marL="9525" marR="9525" marT="9525" marB="0" anchor="b"/>
+                </a:tc>
+                <a:tc>
+                  <a:txBody>
+                    <a:bodyPr/>
+                    <a:lstStyle/>
+                    <a:p>
+                      <a:pPr algn="ctr" fontAlgn="b"/>
+                      <a:r>
+                        <a:rPr lang="en-SG" sz="1600" u="none" strike="noStrike">
+                          <a:effectLst/>
+                        </a:rPr>
+                        <a:t>0.97</a:t>
+                      </a:r>
+                      <a:endParaRPr lang="en-SG" sz="1600" b="0" i="0" u="none" strike="noStrike">
+                        <a:solidFill>
+                          <a:srgbClr val="000000"/>
+                        </a:solidFill>
+                        <a:effectLst/>
+                        <a:latin typeface="Liberation Sans"/>
+                      </a:endParaRPr>
+                    </a:p>
+                  </a:txBody>
+                  <a:tcPr marL="9525" marR="9525" marT="9525" marB="0" anchor="b"/>
+                </a:tc>
+                <a:tc>
+                  <a:txBody>
+                    <a:bodyPr/>
+                    <a:lstStyle/>
+                    <a:p>
+                      <a:pPr algn="ctr" fontAlgn="b"/>
+                      <a:r>
+                        <a:rPr lang="en-SG" sz="1600" u="none" strike="noStrike">
+                          <a:effectLst/>
+                        </a:rPr>
+                        <a:t>0.88</a:t>
+                      </a:r>
+                      <a:endParaRPr lang="en-SG" sz="1600" b="0" i="0" u="none" strike="noStrike">
+                        <a:solidFill>
+                          <a:srgbClr val="000000"/>
+                        </a:solidFill>
+                        <a:effectLst/>
+                        <a:latin typeface="Liberation Sans"/>
+                      </a:endParaRPr>
+                    </a:p>
+                  </a:txBody>
+                  <a:tcPr marL="9525" marR="9525" marT="9525" marB="0" anchor="b"/>
+                </a:tc>
+                <a:tc>
+                  <a:txBody>
+                    <a:bodyPr/>
+                    <a:lstStyle/>
+                    <a:p>
+                      <a:pPr algn="ctr" fontAlgn="b"/>
+                      <a:r>
+                        <a:rPr lang="en-SG" sz="1600" u="none" strike="noStrike">
+                          <a:effectLst/>
+                        </a:rPr>
+                        <a:t>0.91</a:t>
+                      </a:r>
+                      <a:endParaRPr lang="en-SG" sz="1600" b="0" i="0" u="none" strike="noStrike">
+                        <a:solidFill>
+                          <a:srgbClr val="000000"/>
+                        </a:solidFill>
+                        <a:effectLst/>
+                        <a:latin typeface="Liberation Sans"/>
+                      </a:endParaRPr>
+                    </a:p>
+                  </a:txBody>
+                  <a:tcPr marL="9525" marR="9525" marT="9525" marB="0" anchor="b"/>
+                </a:tc>
+                <a:extLst>
+                  <a:ext uri="{0D108BD9-81ED-4DB2-BD59-A6C34878D82A}">
+                    <a16:rowId xmlns:a16="http://schemas.microsoft.com/office/drawing/2014/main" val="2222253786"/>
+                  </a:ext>
+                </a:extLst>
+              </a:tr>
+              <a:tr h="472361">
+                <a:tc>
+                  <a:txBody>
+                    <a:bodyPr/>
+                    <a:lstStyle/>
+                    <a:p>
+                      <a:pPr algn="ctr" fontAlgn="b"/>
+                      <a:r>
+                        <a:rPr lang="en-SG" sz="1600" u="none" strike="noStrike">
+                          <a:effectLst/>
+                        </a:rPr>
+                        <a:t>49</a:t>
+                      </a:r>
+                      <a:endParaRPr lang="en-SG" sz="1600" b="0" i="0" u="none" strike="noStrike">
+                        <a:solidFill>
+                          <a:srgbClr val="000000"/>
+                        </a:solidFill>
+                        <a:effectLst/>
+                        <a:latin typeface="Liberation Sans"/>
+                      </a:endParaRPr>
+                    </a:p>
+                  </a:txBody>
+                  <a:tcPr marL="9525" marR="9525" marT="9525" marB="0" anchor="b"/>
+                </a:tc>
+                <a:tc>
+                  <a:txBody>
+                    <a:bodyPr/>
+                    <a:lstStyle/>
+                    <a:p>
+                      <a:pPr algn="ctr" fontAlgn="b"/>
+                      <a:r>
+                        <a:rPr lang="en-SG" sz="1600" u="none" strike="noStrike">
+                          <a:effectLst/>
+                        </a:rPr>
+                        <a:t>Rubrobacter xylanophilus</a:t>
+                      </a:r>
+                      <a:endParaRPr lang="en-SG" sz="1600" b="0" i="0" u="none" strike="noStrike">
+                        <a:solidFill>
+                          <a:srgbClr val="000000"/>
+                        </a:solidFill>
+                        <a:effectLst/>
+                        <a:latin typeface="Liberation Sans"/>
+                      </a:endParaRPr>
+                    </a:p>
+                  </a:txBody>
+                  <a:tcPr marL="9525" marR="9525" marT="9525" marB="0" anchor="b"/>
+                </a:tc>
+                <a:tc>
+                  <a:txBody>
+                    <a:bodyPr/>
+                    <a:lstStyle/>
+                    <a:p>
+                      <a:pPr algn="ctr" fontAlgn="b"/>
+                      <a:r>
+                        <a:rPr lang="en-SG" sz="1600" u="none" strike="noStrike">
+                          <a:effectLst/>
+                        </a:rPr>
+                        <a:t>0.623</a:t>
+                      </a:r>
+                      <a:endParaRPr lang="en-SG" sz="1600" b="0" i="0" u="none" strike="noStrike">
+                        <a:solidFill>
+                          <a:srgbClr val="000000"/>
+                        </a:solidFill>
+                        <a:effectLst/>
+                        <a:latin typeface="Liberation Sans"/>
+                      </a:endParaRPr>
+                    </a:p>
+                  </a:txBody>
+                  <a:tcPr marL="9525" marR="9525" marT="9525" marB="0" anchor="b"/>
+                </a:tc>
+                <a:tc>
+                  <a:txBody>
+                    <a:bodyPr/>
+                    <a:lstStyle/>
+                    <a:p>
+                      <a:pPr algn="ctr" fontAlgn="b"/>
+                      <a:r>
+                        <a:rPr lang="en-SG" sz="1600" u="none" strike="noStrike">
+                          <a:effectLst/>
+                        </a:rPr>
+                        <a:t>0.671</a:t>
+                      </a:r>
+                      <a:endParaRPr lang="en-SG" sz="1600" b="0" i="0" u="none" strike="noStrike">
+                        <a:solidFill>
+                          <a:srgbClr val="000000"/>
+                        </a:solidFill>
+                        <a:effectLst/>
+                        <a:latin typeface="Liberation Sans"/>
+                      </a:endParaRPr>
+                    </a:p>
+                  </a:txBody>
+                  <a:tcPr marL="9525" marR="9525" marT="9525" marB="0" anchor="b"/>
+                </a:tc>
+                <a:tc>
+                  <a:txBody>
+                    <a:bodyPr/>
+                    <a:lstStyle/>
+                    <a:p>
+                      <a:pPr algn="ctr" fontAlgn="b"/>
+                      <a:r>
+                        <a:rPr lang="en-SG" sz="1600" u="none" strike="noStrike" dirty="0">
+                          <a:effectLst/>
+                        </a:rPr>
+                        <a:t>0.586</a:t>
+                      </a:r>
+                      <a:endParaRPr lang="en-SG" sz="1600" b="0" i="0" u="none" strike="noStrike" dirty="0">
+                        <a:solidFill>
+                          <a:srgbClr val="000000"/>
+                        </a:solidFill>
+                        <a:effectLst/>
+                        <a:latin typeface="Liberation Sans"/>
+                      </a:endParaRPr>
+                    </a:p>
+                  </a:txBody>
+                  <a:tcPr marL="9525" marR="9525" marT="9525" marB="0" anchor="b"/>
+                </a:tc>
+                <a:extLst>
+                  <a:ext uri="{0D108BD9-81ED-4DB2-BD59-A6C34878D82A}">
+                    <a16:rowId xmlns:a16="http://schemas.microsoft.com/office/drawing/2014/main" val="950225464"/>
+                  </a:ext>
+                </a:extLst>
+              </a:tr>
+              <a:tr h="472361">
+                <a:tc>
+                  <a:txBody>
+                    <a:bodyPr/>
+                    <a:lstStyle/>
+                    <a:p>
+                      <a:pPr algn="ctr" fontAlgn="b"/>
+                      <a:r>
+                        <a:rPr lang="en-SG" sz="1600" u="none" strike="noStrike">
+                          <a:effectLst/>
+                        </a:rPr>
+                        <a:t>51</a:t>
+                      </a:r>
+                      <a:endParaRPr lang="en-SG" sz="1600" b="0" i="0" u="none" strike="noStrike">
+                        <a:solidFill>
+                          <a:srgbClr val="000000"/>
+                        </a:solidFill>
+                        <a:effectLst/>
+                        <a:latin typeface="Liberation Sans"/>
+                      </a:endParaRPr>
+                    </a:p>
+                  </a:txBody>
+                  <a:tcPr marL="9525" marR="9525" marT="9525" marB="0" anchor="b"/>
+                </a:tc>
+                <a:tc>
+                  <a:txBody>
+                    <a:bodyPr/>
+                    <a:lstStyle/>
+                    <a:p>
+                      <a:pPr algn="ctr" fontAlgn="b"/>
+                      <a:r>
+                        <a:rPr lang="en-SG" sz="1600" u="none" strike="noStrike">
+                          <a:effectLst/>
+                        </a:rPr>
+                        <a:t>Spiribacter curvatus</a:t>
+                      </a:r>
+                      <a:endParaRPr lang="en-SG" sz="1600" b="0" i="0" u="none" strike="noStrike">
+                        <a:solidFill>
+                          <a:srgbClr val="000000"/>
+                        </a:solidFill>
+                        <a:effectLst/>
+                        <a:latin typeface="Liberation Sans"/>
+                      </a:endParaRPr>
+                    </a:p>
+                  </a:txBody>
+                  <a:tcPr marL="9525" marR="9525" marT="9525" marB="0" anchor="b"/>
+                </a:tc>
+                <a:tc>
+                  <a:txBody>
+                    <a:bodyPr/>
+                    <a:lstStyle/>
+                    <a:p>
+                      <a:pPr algn="ctr" fontAlgn="b"/>
+                      <a:r>
+                        <a:rPr lang="en-SG" sz="1600" u="none" strike="noStrike">
+                          <a:effectLst/>
+                        </a:rPr>
+                        <a:t>0.841</a:t>
+                      </a:r>
+                      <a:endParaRPr lang="en-SG" sz="1600" b="0" i="0" u="none" strike="noStrike">
+                        <a:solidFill>
+                          <a:srgbClr val="000000"/>
+                        </a:solidFill>
+                        <a:effectLst/>
+                        <a:latin typeface="Liberation Sans"/>
+                      </a:endParaRPr>
+                    </a:p>
+                  </a:txBody>
+                  <a:tcPr marL="9525" marR="9525" marT="9525" marB="0" anchor="b"/>
+                </a:tc>
+                <a:tc>
+                  <a:txBody>
+                    <a:bodyPr/>
+                    <a:lstStyle/>
+                    <a:p>
+                      <a:pPr algn="ctr" fontAlgn="b"/>
+                      <a:r>
+                        <a:rPr lang="en-SG" sz="1600" u="none" strike="noStrike">
+                          <a:effectLst/>
+                        </a:rPr>
+                        <a:t>0.869</a:t>
+                      </a:r>
+                      <a:endParaRPr lang="en-SG" sz="1600" b="0" i="0" u="none" strike="noStrike">
+                        <a:solidFill>
+                          <a:srgbClr val="000000"/>
+                        </a:solidFill>
+                        <a:effectLst/>
+                        <a:latin typeface="Liberation Sans"/>
+                      </a:endParaRPr>
+                    </a:p>
+                  </a:txBody>
+                  <a:tcPr marL="9525" marR="9525" marT="9525" marB="0" anchor="b"/>
+                </a:tc>
+                <a:tc>
+                  <a:txBody>
+                    <a:bodyPr/>
+                    <a:lstStyle/>
+                    <a:p>
+                      <a:pPr algn="ctr" fontAlgn="b"/>
+                      <a:r>
+                        <a:rPr lang="en-SG" sz="1600" u="none" strike="noStrike" dirty="0">
+                          <a:effectLst/>
+                        </a:rPr>
+                        <a:t>0.829</a:t>
+                      </a:r>
+                      <a:endParaRPr lang="en-SG" sz="1600" b="0" i="0" u="none" strike="noStrike" dirty="0">
+                        <a:solidFill>
+                          <a:srgbClr val="000000"/>
+                        </a:solidFill>
+                        <a:effectLst/>
+                        <a:latin typeface="Liberation Sans"/>
+                      </a:endParaRPr>
+                    </a:p>
+                  </a:txBody>
+                  <a:tcPr marL="9525" marR="9525" marT="9525" marB="0" anchor="b"/>
+                </a:tc>
+                <a:extLst>
+                  <a:ext uri="{0D108BD9-81ED-4DB2-BD59-A6C34878D82A}">
+                    <a16:rowId xmlns:a16="http://schemas.microsoft.com/office/drawing/2014/main" val="782858432"/>
+                  </a:ext>
+                </a:extLst>
+              </a:tr>
+            </a:tbl>
+          </a:graphicData>
+        </a:graphic>
+      </p:graphicFrame>
+    </p:spTree>
+    <p:extLst>
+      <p:ext uri="{BB962C8B-B14F-4D97-AF65-F5344CB8AC3E}">
+        <p14:creationId xmlns:p14="http://schemas.microsoft.com/office/powerpoint/2010/main" val="1840966653"/>
+      </p:ext>
+    </p:extLst>
+  </p:cSld>
+  <p:clrMapOvr>
+    <a:masterClrMapping/>
+  </p:clrMapOvr>
+</p:sld>
+</file>
+
+<file path=ppt/slides/slide7.xml><?xml version="1.0" encoding="utf-8"?>
+<p:sld xmlns:a="http://schemas.openxmlformats.org/drawingml/2006/main" xmlns:r="http://schemas.openxmlformats.org/officeDocument/2006/relationships" xmlns:p="http://schemas.openxmlformats.org/presentationml/2006/main">
+  <p:cSld>
+    <p:spTree>
+      <p:nvGrpSpPr>
+        <p:cNvPr id="1" name=""/>
+        <p:cNvGrpSpPr/>
+        <p:nvPr/>
+      </p:nvGrpSpPr>
+      <p:grpSpPr>
+        <a:xfrm>
+          <a:off x="0" y="0"/>
+          <a:ext cx="0" cy="0"/>
+          <a:chOff x="0" y="0"/>
+          <a:chExt cx="0" cy="0"/>
+        </a:xfrm>
+      </p:grpSpPr>
+      <p:sp>
+        <p:nvSpPr>
+          <p:cNvPr id="2" name="Title 1">
+            <a:extLst>
+              <a:ext uri="{FF2B5EF4-FFF2-40B4-BE49-F238E27FC236}">
+                <a16:creationId xmlns:a16="http://schemas.microsoft.com/office/drawing/2014/main" id="{E00DECB2-2A6D-3F4D-B0E9-EF7D6D94CBFD}"/>
+              </a:ext>
+            </a:extLst>
+          </p:cNvPr>
+          <p:cNvSpPr>
+            <a:spLocks noGrp="1"/>
+          </p:cNvSpPr>
+          <p:nvPr>
+            <p:ph type="title"/>
+          </p:nvPr>
+        </p:nvSpPr>
+        <p:spPr>
+          <a:xfrm>
+            <a:off x="838200" y="365125"/>
+            <a:ext cx="10515600" cy="1325563"/>
+          </a:xfrm>
+        </p:spPr>
+        <p:txBody>
+          <a:bodyPr/>
+          <a:lstStyle/>
+          <a:p>
+            <a:r>
+              <a:rPr lang="en-US" dirty="0"/>
+              <a:t>Comparison with Glimmer (“ground truth”)</a:t>
+            </a:r>
+          </a:p>
+        </p:txBody>
+      </p:sp>
+      <p:graphicFrame>
+        <p:nvGraphicFramePr>
+          <p:cNvPr id="6" name="Content Placeholder 5">
+            <a:extLst>
+              <a:ext uri="{FF2B5EF4-FFF2-40B4-BE49-F238E27FC236}">
+                <a16:creationId xmlns:a16="http://schemas.microsoft.com/office/drawing/2014/main" id="{996FD10D-A668-954F-BD1A-A83D832F0899}"/>
+              </a:ext>
+            </a:extLst>
+          </p:cNvPr>
+          <p:cNvGraphicFramePr>
+            <a:graphicFrameLocks noGrp="1"/>
+          </p:cNvGraphicFramePr>
+          <p:nvPr>
+            <p:ph idx="1"/>
+          </p:nvPr>
+        </p:nvGraphicFramePr>
+        <p:xfrm>
+          <a:off x="879475" y="2291190"/>
+          <a:ext cx="10433050" cy="2834166"/>
+        </p:xfrm>
+        <a:graphic>
+          <a:graphicData uri="http://schemas.openxmlformats.org/drawingml/2006/table">
+            <a:tbl>
+              <a:tblPr>
+                <a:tableStyleId>{5C22544A-7EE6-4342-B048-85BDC9FD1C3A}</a:tableStyleId>
+              </a:tblPr>
+              <a:tblGrid>
+                <a:gridCol w="1659340">
+                  <a:extLst>
+                    <a:ext uri="{9D8B030D-6E8A-4147-A177-3AD203B41FA5}">
+                      <a16:colId xmlns:a16="http://schemas.microsoft.com/office/drawing/2014/main" val="284297394"/>
+                    </a:ext>
+                  </a:extLst>
+                </a:gridCol>
+                <a:gridCol w="2513880">
+                  <a:extLst>
+                    <a:ext uri="{9D8B030D-6E8A-4147-A177-3AD203B41FA5}">
+                      <a16:colId xmlns:a16="http://schemas.microsoft.com/office/drawing/2014/main" val="177517811"/>
+                    </a:ext>
+                  </a:extLst>
+                </a:gridCol>
+                <a:gridCol w="2086610">
+                  <a:extLst>
+                    <a:ext uri="{9D8B030D-6E8A-4147-A177-3AD203B41FA5}">
+                      <a16:colId xmlns:a16="http://schemas.microsoft.com/office/drawing/2014/main" val="3690755752"/>
+                    </a:ext>
+                  </a:extLst>
+                </a:gridCol>
+                <a:gridCol w="2086610">
+                  <a:extLst>
+                    <a:ext uri="{9D8B030D-6E8A-4147-A177-3AD203B41FA5}">
+                      <a16:colId xmlns:a16="http://schemas.microsoft.com/office/drawing/2014/main" val="57277468"/>
+                    </a:ext>
+                  </a:extLst>
+                </a:gridCol>
+                <a:gridCol w="2086610">
+                  <a:extLst>
+                    <a:ext uri="{9D8B030D-6E8A-4147-A177-3AD203B41FA5}">
+                      <a16:colId xmlns:a16="http://schemas.microsoft.com/office/drawing/2014/main" val="3892588513"/>
+                    </a:ext>
+                  </a:extLst>
+                </a:gridCol>
+              </a:tblGrid>
+              <a:tr h="472361">
+                <a:tc>
+                  <a:txBody>
+                    <a:bodyPr/>
+                    <a:lstStyle/>
+                    <a:p>
+                      <a:pPr algn="ctr" fontAlgn="b"/>
+                      <a:r>
+                        <a:rPr lang="en-SG" sz="1600" u="none" strike="noStrike" dirty="0">
+                          <a:effectLst/>
+                        </a:rPr>
+                        <a:t>Genome ID</a:t>
+                      </a:r>
+                      <a:endParaRPr lang="en-SG" sz="1600" b="1" i="0" u="none" strike="noStrike" dirty="0">
+                        <a:solidFill>
+                          <a:srgbClr val="000000"/>
+                        </a:solidFill>
+                        <a:effectLst/>
+                        <a:latin typeface="Liberation Sans"/>
+                      </a:endParaRPr>
+                    </a:p>
+                  </a:txBody>
+                  <a:tcPr marL="9525" marR="9525" marT="9525" marB="0" anchor="b"/>
+                </a:tc>
+                <a:tc>
+                  <a:txBody>
+                    <a:bodyPr/>
+                    <a:lstStyle/>
+                    <a:p>
+                      <a:pPr algn="ctr" fontAlgn="b"/>
+                      <a:r>
+                        <a:rPr lang="en-SG" sz="1600" u="none" strike="noStrike">
+                          <a:effectLst/>
+                        </a:rPr>
+                        <a:t>Species</a:t>
+                      </a:r>
+                      <a:endParaRPr lang="en-SG" sz="1600" b="1" i="0" u="none" strike="noStrike">
+                        <a:solidFill>
+                          <a:srgbClr val="000000"/>
+                        </a:solidFill>
+                        <a:effectLst/>
+                        <a:latin typeface="Liberation Sans"/>
+                      </a:endParaRPr>
+                    </a:p>
+                  </a:txBody>
+                  <a:tcPr marL="9525" marR="9525" marT="9525" marB="0" anchor="b"/>
+                </a:tc>
+                <a:tc>
+                  <a:txBody>
+                    <a:bodyPr/>
+                    <a:lstStyle/>
+                    <a:p>
+                      <a:pPr algn="ctr" fontAlgn="b"/>
+                      <a:r>
+                        <a:rPr lang="en-SG" sz="1600" u="none" strike="noStrike" dirty="0">
+                          <a:effectLst/>
+                        </a:rPr>
+                        <a:t>Sensitivity</a:t>
+                      </a:r>
+                      <a:endParaRPr lang="en-SG" sz="1600" b="1" i="0" u="none" strike="noStrike" dirty="0">
+                        <a:solidFill>
+                          <a:srgbClr val="000000"/>
+                        </a:solidFill>
+                        <a:effectLst/>
+                        <a:latin typeface="Liberation Sans"/>
+                      </a:endParaRPr>
+                    </a:p>
+                  </a:txBody>
+                  <a:tcPr marL="9525" marR="9525" marT="9525" marB="0" anchor="b"/>
+                </a:tc>
+                <a:tc>
+                  <a:txBody>
+                    <a:bodyPr/>
+                    <a:lstStyle/>
+                    <a:p>
+                      <a:pPr algn="ctr" fontAlgn="b"/>
+                      <a:r>
+                        <a:rPr lang="en-SG" sz="1600" u="none" strike="noStrike" dirty="0">
+                          <a:effectLst/>
+                        </a:rPr>
+                        <a:t>Specificity</a:t>
+                      </a:r>
+                      <a:endParaRPr lang="en-SG" sz="1600" b="1" i="0" u="none" strike="noStrike" dirty="0">
+                        <a:solidFill>
+                          <a:srgbClr val="000000"/>
+                        </a:solidFill>
+                        <a:effectLst/>
+                        <a:latin typeface="Liberation Sans"/>
+                      </a:endParaRPr>
+                    </a:p>
+                  </a:txBody>
+                  <a:tcPr marL="9525" marR="9525" marT="9525" marB="0" anchor="b"/>
+                </a:tc>
+                <a:tc>
+                  <a:txBody>
+                    <a:bodyPr/>
+                    <a:lstStyle/>
+                    <a:p>
+                      <a:pPr algn="ctr" fontAlgn="b"/>
+                      <a:r>
+                        <a:rPr lang="en-SG" sz="1600" u="none" strike="noStrike">
+                          <a:effectLst/>
+                        </a:rPr>
+                        <a:t>AC</a:t>
+                      </a:r>
+                      <a:endParaRPr lang="en-SG" sz="1600" b="1" i="0" u="none" strike="noStrike">
+                        <a:solidFill>
+                          <a:srgbClr val="000000"/>
+                        </a:solidFill>
+                        <a:effectLst/>
+                        <a:latin typeface="Liberation Sans"/>
+                      </a:endParaRPr>
+                    </a:p>
+                  </a:txBody>
+                  <a:tcPr marL="9525" marR="9525" marT="9525" marB="0" anchor="b"/>
+                </a:tc>
+                <a:extLst>
+                  <a:ext uri="{0D108BD9-81ED-4DB2-BD59-A6C34878D82A}">
+                    <a16:rowId xmlns:a16="http://schemas.microsoft.com/office/drawing/2014/main" val="1290706802"/>
+                  </a:ext>
+                </a:extLst>
+              </a:tr>
+              <a:tr h="472361">
+                <a:tc>
+                  <a:txBody>
+                    <a:bodyPr/>
+                    <a:lstStyle/>
+                    <a:p>
+                      <a:pPr algn="ctr" fontAlgn="b"/>
+                      <a:r>
+                        <a:rPr lang="en-SG" sz="1600" u="none" strike="noStrike">
+                          <a:effectLst/>
+                        </a:rPr>
+                        <a:t>9</a:t>
+                      </a:r>
+                      <a:endParaRPr lang="en-SG" sz="1600" b="0" i="0" u="none" strike="noStrike">
+                        <a:solidFill>
+                          <a:srgbClr val="000000"/>
+                        </a:solidFill>
+                        <a:effectLst/>
+                        <a:latin typeface="Liberation Sans"/>
+                      </a:endParaRPr>
+                    </a:p>
+                  </a:txBody>
+                  <a:tcPr marL="9525" marR="9525" marT="9525" marB="0" anchor="b"/>
+                </a:tc>
+                <a:tc>
+                  <a:txBody>
+                    <a:bodyPr/>
+                    <a:lstStyle/>
+                    <a:p>
+                      <a:pPr algn="ctr" fontAlgn="b"/>
+                      <a:r>
+                        <a:rPr lang="en-SG" sz="1600" u="none" strike="noStrike">
+                          <a:effectLst/>
+                        </a:rPr>
+                        <a:t>Escherichia coli</a:t>
+                      </a:r>
+                      <a:endParaRPr lang="en-SG" sz="1600" b="0" i="0" u="none" strike="noStrike">
+                        <a:solidFill>
+                          <a:srgbClr val="000000"/>
+                        </a:solidFill>
+                        <a:effectLst/>
+                        <a:latin typeface="Liberation Sans"/>
+                      </a:endParaRPr>
+                    </a:p>
+                  </a:txBody>
+                  <a:tcPr marL="9525" marR="9525" marT="9525" marB="0" anchor="b"/>
+                </a:tc>
+                <a:tc>
+                  <a:txBody>
+                    <a:bodyPr/>
+                    <a:lstStyle/>
+                    <a:p>
+                      <a:pPr algn="ctr" fontAlgn="b"/>
+                      <a:r>
+                        <a:rPr lang="en-SG" sz="1600" u="none" strike="noStrike">
+                          <a:effectLst/>
+                        </a:rPr>
+                        <a:t>0.95</a:t>
+                      </a:r>
+                      <a:endParaRPr lang="en-SG" sz="1600" b="0" i="0" u="none" strike="noStrike">
+                        <a:solidFill>
+                          <a:srgbClr val="000000"/>
+                        </a:solidFill>
+                        <a:effectLst/>
+                        <a:latin typeface="Liberation Sans"/>
+                      </a:endParaRPr>
+                    </a:p>
+                  </a:txBody>
+                  <a:tcPr marL="9525" marR="9525" marT="9525" marB="0" anchor="b"/>
+                </a:tc>
+                <a:tc>
+                  <a:txBody>
+                    <a:bodyPr/>
+                    <a:lstStyle/>
+                    <a:p>
+                      <a:pPr algn="ctr" fontAlgn="b"/>
+                      <a:r>
+                        <a:rPr lang="en-SG" sz="1600" u="none" strike="noStrike">
+                          <a:effectLst/>
+                        </a:rPr>
+                        <a:t>0.917</a:t>
+                      </a:r>
+                      <a:endParaRPr lang="en-SG" sz="1600" b="0" i="0" u="none" strike="noStrike">
+                        <a:solidFill>
+                          <a:srgbClr val="000000"/>
+                        </a:solidFill>
+                        <a:effectLst/>
+                        <a:latin typeface="Liberation Sans"/>
+                      </a:endParaRPr>
+                    </a:p>
+                  </a:txBody>
+                  <a:tcPr marL="9525" marR="9525" marT="9525" marB="0" anchor="b"/>
+                </a:tc>
+                <a:tc>
+                  <a:txBody>
+                    <a:bodyPr/>
+                    <a:lstStyle/>
+                    <a:p>
+                      <a:pPr algn="ctr" fontAlgn="b"/>
+                      <a:r>
+                        <a:rPr lang="en-SG" sz="1600" u="none" strike="noStrike">
+                          <a:effectLst/>
+                        </a:rPr>
+                        <a:t>0.922</a:t>
+                      </a:r>
+                      <a:endParaRPr lang="en-SG" sz="1600" b="0" i="0" u="none" strike="noStrike">
+                        <a:solidFill>
+                          <a:srgbClr val="000000"/>
+                        </a:solidFill>
+                        <a:effectLst/>
+                        <a:latin typeface="Liberation Sans"/>
+                      </a:endParaRPr>
+                    </a:p>
+                  </a:txBody>
+                  <a:tcPr marL="9525" marR="9525" marT="9525" marB="0" anchor="b"/>
+                </a:tc>
+                <a:extLst>
+                  <a:ext uri="{0D108BD9-81ED-4DB2-BD59-A6C34878D82A}">
+                    <a16:rowId xmlns:a16="http://schemas.microsoft.com/office/drawing/2014/main" val="4054646142"/>
+                  </a:ext>
+                </a:extLst>
+              </a:tr>
+              <a:tr h="472361">
+                <a:tc>
+                  <a:txBody>
+                    <a:bodyPr/>
+                    <a:lstStyle/>
+                    <a:p>
+                      <a:pPr algn="ctr" fontAlgn="b"/>
+                      <a:r>
+                        <a:rPr lang="en-SG" sz="1600" u="none" strike="noStrike">
+                          <a:effectLst/>
+                        </a:rPr>
+                        <a:t>17</a:t>
+                      </a:r>
+                      <a:endParaRPr lang="en-SG" sz="1600" b="0" i="0" u="none" strike="noStrike">
+                        <a:solidFill>
+                          <a:srgbClr val="000000"/>
+                        </a:solidFill>
+                        <a:effectLst/>
+                        <a:latin typeface="Liberation Sans"/>
+                      </a:endParaRPr>
+                    </a:p>
+                  </a:txBody>
+                  <a:tcPr marL="9525" marR="9525" marT="9525" marB="0" anchor="b"/>
+                </a:tc>
+                <a:tc>
+                  <a:txBody>
+                    <a:bodyPr/>
+                    <a:lstStyle/>
+                    <a:p>
+                      <a:pPr algn="ctr" fontAlgn="b"/>
+                      <a:r>
+                        <a:rPr lang="en-SG" sz="1600" u="none" strike="noStrike" dirty="0">
+                          <a:effectLst/>
+                        </a:rPr>
+                        <a:t>Streptomyces </a:t>
+                      </a:r>
+                      <a:r>
+                        <a:rPr lang="en-SG" sz="1600" u="none" strike="noStrike" dirty="0" err="1">
+                          <a:effectLst/>
+                        </a:rPr>
+                        <a:t>coelicolor</a:t>
+                      </a:r>
+                      <a:endParaRPr lang="en-SG" sz="1600" b="0" i="0" u="none" strike="noStrike" dirty="0">
+                        <a:solidFill>
+                          <a:srgbClr val="000000"/>
+                        </a:solidFill>
+                        <a:effectLst/>
+                        <a:latin typeface="Liberation Sans"/>
+                      </a:endParaRPr>
+                    </a:p>
+                  </a:txBody>
+                  <a:tcPr marL="9525" marR="9525" marT="9525" marB="0" anchor="b"/>
+                </a:tc>
+                <a:tc>
+                  <a:txBody>
+                    <a:bodyPr/>
+                    <a:lstStyle/>
+                    <a:p>
+                      <a:pPr algn="ctr" fontAlgn="b"/>
+                      <a:r>
+                        <a:rPr lang="en-SG" sz="1600" u="none" strike="noStrike">
+                          <a:effectLst/>
+                        </a:rPr>
+                        <a:t>0.59</a:t>
+                      </a:r>
+                      <a:endParaRPr lang="en-SG" sz="1600" b="0" i="0" u="none" strike="noStrike">
+                        <a:solidFill>
+                          <a:srgbClr val="000000"/>
+                        </a:solidFill>
+                        <a:effectLst/>
+                        <a:latin typeface="Liberation Sans"/>
+                      </a:endParaRPr>
+                    </a:p>
+                  </a:txBody>
+                  <a:tcPr marL="9525" marR="9525" marT="9525" marB="0" anchor="b"/>
+                </a:tc>
+                <a:tc>
+                  <a:txBody>
+                    <a:bodyPr/>
+                    <a:lstStyle/>
+                    <a:p>
+                      <a:pPr algn="ctr" fontAlgn="b"/>
+                      <a:r>
+                        <a:rPr lang="en-SG" sz="1600" u="none" strike="noStrike">
+                          <a:effectLst/>
+                        </a:rPr>
+                        <a:t>0.61</a:t>
+                      </a:r>
+                      <a:endParaRPr lang="en-SG" sz="1600" b="0" i="0" u="none" strike="noStrike">
+                        <a:solidFill>
+                          <a:srgbClr val="000000"/>
+                        </a:solidFill>
+                        <a:effectLst/>
+                        <a:latin typeface="Liberation Sans"/>
+                      </a:endParaRPr>
+                    </a:p>
+                  </a:txBody>
+                  <a:tcPr marL="9525" marR="9525" marT="9525" marB="0" anchor="b"/>
+                </a:tc>
+                <a:tc>
+                  <a:txBody>
+                    <a:bodyPr/>
+                    <a:lstStyle/>
+                    <a:p>
+                      <a:pPr algn="ctr" fontAlgn="b"/>
+                      <a:r>
+                        <a:rPr lang="en-SG" sz="1600" u="none" strike="noStrike">
+                          <a:effectLst/>
+                        </a:rPr>
+                        <a:t>0.529</a:t>
+                      </a:r>
+                      <a:endParaRPr lang="en-SG" sz="1600" b="0" i="0" u="none" strike="noStrike">
+                        <a:solidFill>
+                          <a:srgbClr val="000000"/>
+                        </a:solidFill>
+                        <a:effectLst/>
+                        <a:latin typeface="Liberation Sans"/>
+                      </a:endParaRPr>
+                    </a:p>
+                  </a:txBody>
+                  <a:tcPr marL="9525" marR="9525" marT="9525" marB="0" anchor="b"/>
+                </a:tc>
+                <a:extLst>
+                  <a:ext uri="{0D108BD9-81ED-4DB2-BD59-A6C34878D82A}">
+                    <a16:rowId xmlns:a16="http://schemas.microsoft.com/office/drawing/2014/main" val="366817353"/>
+                  </a:ext>
+                </a:extLst>
+              </a:tr>
+              <a:tr h="472361">
+                <a:tc>
+                  <a:txBody>
+                    <a:bodyPr/>
+                    <a:lstStyle/>
+                    <a:p>
+                      <a:pPr algn="ctr" fontAlgn="b"/>
+                      <a:r>
+                        <a:rPr lang="en-SG" sz="1600" u="none" strike="noStrike">
+                          <a:effectLst/>
+                        </a:rPr>
+                        <a:t>24</a:t>
+                      </a:r>
+                      <a:endParaRPr lang="en-SG" sz="1600" b="0" i="0" u="none" strike="noStrike">
+                        <a:solidFill>
+                          <a:srgbClr val="000000"/>
+                        </a:solidFill>
+                        <a:effectLst/>
+                        <a:latin typeface="Liberation Sans"/>
+                      </a:endParaRPr>
+                    </a:p>
+                  </a:txBody>
+                  <a:tcPr marL="9525" marR="9525" marT="9525" marB="0" anchor="b"/>
+                </a:tc>
+                <a:tc>
+                  <a:txBody>
+                    <a:bodyPr/>
+                    <a:lstStyle/>
+                    <a:p>
+                      <a:pPr algn="ctr" fontAlgn="b"/>
+                      <a:r>
+                        <a:rPr lang="en-SG" sz="1600" u="none" strike="noStrike">
+                          <a:effectLst/>
+                        </a:rPr>
+                        <a:t>Saccharomyces cerevisiae ch4</a:t>
+                      </a:r>
+                      <a:endParaRPr lang="en-SG" sz="1600" b="0" i="0" u="none" strike="noStrike">
+                        <a:solidFill>
+                          <a:srgbClr val="000000"/>
+                        </a:solidFill>
+                        <a:effectLst/>
+                        <a:latin typeface="Liberation Sans"/>
+                      </a:endParaRPr>
+                    </a:p>
+                  </a:txBody>
+                  <a:tcPr marL="9525" marR="9525" marT="9525" marB="0" anchor="b"/>
+                </a:tc>
+                <a:tc>
+                  <a:txBody>
+                    <a:bodyPr/>
+                    <a:lstStyle/>
+                    <a:p>
+                      <a:pPr algn="ctr" fontAlgn="b"/>
+                      <a:r>
+                        <a:rPr lang="en-SG" sz="1600" u="none" strike="noStrike">
+                          <a:effectLst/>
+                        </a:rPr>
+                        <a:t>0.97</a:t>
+                      </a:r>
+                      <a:endParaRPr lang="en-SG" sz="1600" b="0" i="0" u="none" strike="noStrike">
+                        <a:solidFill>
+                          <a:srgbClr val="000000"/>
+                        </a:solidFill>
+                        <a:effectLst/>
+                        <a:latin typeface="Liberation Sans"/>
+                      </a:endParaRPr>
+                    </a:p>
+                  </a:txBody>
+                  <a:tcPr marL="9525" marR="9525" marT="9525" marB="0" anchor="b"/>
+                </a:tc>
+                <a:tc>
+                  <a:txBody>
+                    <a:bodyPr/>
+                    <a:lstStyle/>
+                    <a:p>
+                      <a:pPr algn="ctr" fontAlgn="b"/>
+                      <a:r>
+                        <a:rPr lang="en-SG" sz="1600" u="none" strike="noStrike">
+                          <a:effectLst/>
+                        </a:rPr>
+                        <a:t>0.88</a:t>
+                      </a:r>
+                      <a:endParaRPr lang="en-SG" sz="1600" b="0" i="0" u="none" strike="noStrike">
+                        <a:solidFill>
+                          <a:srgbClr val="000000"/>
+                        </a:solidFill>
+                        <a:effectLst/>
+                        <a:latin typeface="Liberation Sans"/>
+                      </a:endParaRPr>
+                    </a:p>
+                  </a:txBody>
+                  <a:tcPr marL="9525" marR="9525" marT="9525" marB="0" anchor="b"/>
+                </a:tc>
+                <a:tc>
+                  <a:txBody>
+                    <a:bodyPr/>
+                    <a:lstStyle/>
+                    <a:p>
+                      <a:pPr algn="ctr" fontAlgn="b"/>
+                      <a:r>
+                        <a:rPr lang="en-SG" sz="1600" u="none" strike="noStrike">
+                          <a:effectLst/>
+                        </a:rPr>
+                        <a:t>0.91</a:t>
+                      </a:r>
+                      <a:endParaRPr lang="en-SG" sz="1600" b="0" i="0" u="none" strike="noStrike">
+                        <a:solidFill>
+                          <a:srgbClr val="000000"/>
+                        </a:solidFill>
+                        <a:effectLst/>
+                        <a:latin typeface="Liberation Sans"/>
+                      </a:endParaRPr>
+                    </a:p>
+                  </a:txBody>
+                  <a:tcPr marL="9525" marR="9525" marT="9525" marB="0" anchor="b"/>
+                </a:tc>
+                <a:extLst>
+                  <a:ext uri="{0D108BD9-81ED-4DB2-BD59-A6C34878D82A}">
+                    <a16:rowId xmlns:a16="http://schemas.microsoft.com/office/drawing/2014/main" val="2222253786"/>
+                  </a:ext>
+                </a:extLst>
+              </a:tr>
+              <a:tr h="472361">
+                <a:tc>
+                  <a:txBody>
+                    <a:bodyPr/>
+                    <a:lstStyle/>
+                    <a:p>
+                      <a:pPr algn="ctr" fontAlgn="b"/>
+                      <a:r>
+                        <a:rPr lang="en-SG" sz="1600" u="none" strike="noStrike">
+                          <a:effectLst/>
+                        </a:rPr>
+                        <a:t>49</a:t>
+                      </a:r>
+                      <a:endParaRPr lang="en-SG" sz="1600" b="0" i="0" u="none" strike="noStrike">
+                        <a:solidFill>
+                          <a:srgbClr val="000000"/>
+                        </a:solidFill>
+                        <a:effectLst/>
+                        <a:latin typeface="Liberation Sans"/>
+                      </a:endParaRPr>
+                    </a:p>
+                  </a:txBody>
+                  <a:tcPr marL="9525" marR="9525" marT="9525" marB="0" anchor="b"/>
+                </a:tc>
+                <a:tc>
+                  <a:txBody>
+                    <a:bodyPr/>
+                    <a:lstStyle/>
+                    <a:p>
+                      <a:pPr algn="ctr" fontAlgn="b"/>
+                      <a:r>
+                        <a:rPr lang="en-SG" sz="1600" u="none" strike="noStrike">
+                          <a:effectLst/>
+                        </a:rPr>
+                        <a:t>Rubrobacter xylanophilus</a:t>
+                      </a:r>
+                      <a:endParaRPr lang="en-SG" sz="1600" b="0" i="0" u="none" strike="noStrike">
+                        <a:solidFill>
+                          <a:srgbClr val="000000"/>
+                        </a:solidFill>
+                        <a:effectLst/>
+                        <a:latin typeface="Liberation Sans"/>
+                      </a:endParaRPr>
+                    </a:p>
+                  </a:txBody>
+                  <a:tcPr marL="9525" marR="9525" marT="9525" marB="0" anchor="b"/>
+                </a:tc>
+                <a:tc>
+                  <a:txBody>
+                    <a:bodyPr/>
+                    <a:lstStyle/>
+                    <a:p>
+                      <a:pPr algn="ctr" fontAlgn="b"/>
+                      <a:r>
+                        <a:rPr lang="en-SG" sz="1600" u="none" strike="noStrike">
+                          <a:effectLst/>
+                        </a:rPr>
+                        <a:t>0.623</a:t>
+                      </a:r>
+                      <a:endParaRPr lang="en-SG" sz="1600" b="0" i="0" u="none" strike="noStrike">
+                        <a:solidFill>
+                          <a:srgbClr val="000000"/>
+                        </a:solidFill>
+                        <a:effectLst/>
+                        <a:latin typeface="Liberation Sans"/>
+                      </a:endParaRPr>
+                    </a:p>
+                  </a:txBody>
+                  <a:tcPr marL="9525" marR="9525" marT="9525" marB="0" anchor="b"/>
+                </a:tc>
+                <a:tc>
+                  <a:txBody>
+                    <a:bodyPr/>
+                    <a:lstStyle/>
+                    <a:p>
+                      <a:pPr algn="ctr" fontAlgn="b"/>
+                      <a:r>
+                        <a:rPr lang="en-SG" sz="1600" u="none" strike="noStrike">
+                          <a:effectLst/>
+                        </a:rPr>
+                        <a:t>0.671</a:t>
+                      </a:r>
+                      <a:endParaRPr lang="en-SG" sz="1600" b="0" i="0" u="none" strike="noStrike">
+                        <a:solidFill>
+                          <a:srgbClr val="000000"/>
+                        </a:solidFill>
+                        <a:effectLst/>
+                        <a:latin typeface="Liberation Sans"/>
+                      </a:endParaRPr>
+                    </a:p>
+                  </a:txBody>
+                  <a:tcPr marL="9525" marR="9525" marT="9525" marB="0" anchor="b"/>
+                </a:tc>
+                <a:tc>
+                  <a:txBody>
+                    <a:bodyPr/>
+                    <a:lstStyle/>
+                    <a:p>
+                      <a:pPr algn="ctr" fontAlgn="b"/>
+                      <a:r>
+                        <a:rPr lang="en-SG" sz="1600" u="none" strike="noStrike" dirty="0">
+                          <a:effectLst/>
+                        </a:rPr>
+                        <a:t>0.586</a:t>
+                      </a:r>
+                      <a:endParaRPr lang="en-SG" sz="1600" b="0" i="0" u="none" strike="noStrike" dirty="0">
+                        <a:solidFill>
+                          <a:srgbClr val="000000"/>
+                        </a:solidFill>
+                        <a:effectLst/>
+                        <a:latin typeface="Liberation Sans"/>
+                      </a:endParaRPr>
+                    </a:p>
+                  </a:txBody>
+                  <a:tcPr marL="9525" marR="9525" marT="9525" marB="0" anchor="b"/>
+                </a:tc>
+                <a:extLst>
+                  <a:ext uri="{0D108BD9-81ED-4DB2-BD59-A6C34878D82A}">
+                    <a16:rowId xmlns:a16="http://schemas.microsoft.com/office/drawing/2014/main" val="950225464"/>
+                  </a:ext>
+                </a:extLst>
+              </a:tr>
+              <a:tr h="472361">
+                <a:tc>
+                  <a:txBody>
+                    <a:bodyPr/>
+                    <a:lstStyle/>
+                    <a:p>
+                      <a:pPr algn="ctr" fontAlgn="b"/>
+                      <a:r>
+                        <a:rPr lang="en-SG" sz="1600" u="none" strike="noStrike">
+                          <a:effectLst/>
+                        </a:rPr>
+                        <a:t>51</a:t>
+                      </a:r>
+                      <a:endParaRPr lang="en-SG" sz="1600" b="0" i="0" u="none" strike="noStrike">
+                        <a:solidFill>
+                          <a:srgbClr val="000000"/>
+                        </a:solidFill>
+                        <a:effectLst/>
+                        <a:latin typeface="Liberation Sans"/>
+                      </a:endParaRPr>
+                    </a:p>
+                  </a:txBody>
+                  <a:tcPr marL="9525" marR="9525" marT="9525" marB="0" anchor="b"/>
+                </a:tc>
+                <a:tc>
+                  <a:txBody>
+                    <a:bodyPr/>
+                    <a:lstStyle/>
+                    <a:p>
+                      <a:pPr algn="ctr" fontAlgn="b"/>
+                      <a:r>
+                        <a:rPr lang="en-SG" sz="1600" u="none" strike="noStrike">
+                          <a:effectLst/>
+                        </a:rPr>
+                        <a:t>Spiribacter curvatus</a:t>
+                      </a:r>
+                      <a:endParaRPr lang="en-SG" sz="1600" b="0" i="0" u="none" strike="noStrike">
+                        <a:solidFill>
+                          <a:srgbClr val="000000"/>
+                        </a:solidFill>
+                        <a:effectLst/>
+                        <a:latin typeface="Liberation Sans"/>
+                      </a:endParaRPr>
+                    </a:p>
+                  </a:txBody>
+                  <a:tcPr marL="9525" marR="9525" marT="9525" marB="0" anchor="b"/>
+                </a:tc>
+                <a:tc>
+                  <a:txBody>
+                    <a:bodyPr/>
+                    <a:lstStyle/>
+                    <a:p>
+                      <a:pPr algn="ctr" fontAlgn="b"/>
+                      <a:r>
+                        <a:rPr lang="en-SG" sz="1600" u="none" strike="noStrike">
+                          <a:effectLst/>
+                        </a:rPr>
+                        <a:t>0.841</a:t>
+                      </a:r>
+                      <a:endParaRPr lang="en-SG" sz="1600" b="0" i="0" u="none" strike="noStrike">
+                        <a:solidFill>
+                          <a:srgbClr val="000000"/>
+                        </a:solidFill>
+                        <a:effectLst/>
+                        <a:latin typeface="Liberation Sans"/>
+                      </a:endParaRPr>
+                    </a:p>
+                  </a:txBody>
+                  <a:tcPr marL="9525" marR="9525" marT="9525" marB="0" anchor="b"/>
+                </a:tc>
+                <a:tc>
+                  <a:txBody>
+                    <a:bodyPr/>
+                    <a:lstStyle/>
+                    <a:p>
+                      <a:pPr algn="ctr" fontAlgn="b"/>
+                      <a:r>
+                        <a:rPr lang="en-SG" sz="1600" u="none" strike="noStrike">
+                          <a:effectLst/>
+                        </a:rPr>
+                        <a:t>0.869</a:t>
+                      </a:r>
+                      <a:endParaRPr lang="en-SG" sz="1600" b="0" i="0" u="none" strike="noStrike">
+                        <a:solidFill>
+                          <a:srgbClr val="000000"/>
+                        </a:solidFill>
+                        <a:effectLst/>
+                        <a:latin typeface="Liberation Sans"/>
+                      </a:endParaRPr>
+                    </a:p>
+                  </a:txBody>
+                  <a:tcPr marL="9525" marR="9525" marT="9525" marB="0" anchor="b"/>
+                </a:tc>
+                <a:tc>
+                  <a:txBody>
+                    <a:bodyPr/>
+                    <a:lstStyle/>
+                    <a:p>
+                      <a:pPr algn="ctr" fontAlgn="b"/>
+                      <a:r>
+                        <a:rPr lang="en-SG" sz="1600" u="none" strike="noStrike" dirty="0">
+                          <a:effectLst/>
+                        </a:rPr>
+                        <a:t>0.829</a:t>
+                      </a:r>
+                      <a:endParaRPr lang="en-SG" sz="1600" b="0" i="0" u="none" strike="noStrike" dirty="0">
+                        <a:solidFill>
+                          <a:srgbClr val="000000"/>
+                        </a:solidFill>
+                        <a:effectLst/>
+                        <a:latin typeface="Liberation Sans"/>
+                      </a:endParaRPr>
+                    </a:p>
+                  </a:txBody>
+                  <a:tcPr marL="9525" marR="9525" marT="9525" marB="0" anchor="b"/>
+                </a:tc>
+                <a:extLst>
+                  <a:ext uri="{0D108BD9-81ED-4DB2-BD59-A6C34878D82A}">
+                    <a16:rowId xmlns:a16="http://schemas.microsoft.com/office/drawing/2014/main" val="782858432"/>
+                  </a:ext>
+                </a:extLst>
+              </a:tr>
+            </a:tbl>
+          </a:graphicData>
+        </a:graphic>
+      </p:graphicFrame>
+      <p:sp>
+        <p:nvSpPr>
+          <p:cNvPr id="3" name="Rectangle 2">
+            <a:extLst>
+              <a:ext uri="{FF2B5EF4-FFF2-40B4-BE49-F238E27FC236}">
+                <a16:creationId xmlns:a16="http://schemas.microsoft.com/office/drawing/2014/main" id="{717E3DB4-6708-2B4C-9911-7E2E662E415C}"/>
+              </a:ext>
+            </a:extLst>
+          </p:cNvPr>
+          <p:cNvSpPr/>
+          <p:nvPr/>
+        </p:nvSpPr>
+        <p:spPr>
+          <a:xfrm>
+            <a:off x="9662614" y="3365997"/>
+            <a:ext cx="1269242" cy="346193"/>
+          </a:xfrm>
+          <a:prstGeom prst="rect">
+            <a:avLst/>
+          </a:prstGeom>
+          <a:noFill/>
+          <a:ln w="38100">
+            <a:solidFill>
+              <a:srgbClr val="FF0000"/>
+            </a:solidFill>
+          </a:ln>
+        </p:spPr>
+        <p:style>
+          <a:lnRef idx="2">
+            <a:schemeClr val="accent1">
+              <a:shade val="50000"/>
+            </a:schemeClr>
+          </a:lnRef>
+          <a:fillRef idx="1">
+            <a:schemeClr val="accent1"/>
+          </a:fillRef>
+          <a:effectRef idx="0">
+            <a:schemeClr val="accent1"/>
+          </a:effectRef>
+          <a:fontRef idx="minor">
+            <a:schemeClr val="lt1"/>
+          </a:fontRef>
+        </p:style>
+        <p:txBody>
+          <a:bodyPr rtlCol="0" anchor="ctr"/>
+          <a:lstStyle/>
+          <a:p>
+            <a:pPr algn="ctr"/>
+            <a:endParaRPr lang="en-US"/>
+          </a:p>
+        </p:txBody>
+      </p:sp>
+      <p:sp>
+        <p:nvSpPr>
+          <p:cNvPr id="5" name="Rectangle 4">
+            <a:extLst>
+              <a:ext uri="{FF2B5EF4-FFF2-40B4-BE49-F238E27FC236}">
+                <a16:creationId xmlns:a16="http://schemas.microsoft.com/office/drawing/2014/main" id="{90CB3A83-EF08-6C47-AF19-584803301B57}"/>
+              </a:ext>
+            </a:extLst>
+          </p:cNvPr>
+          <p:cNvSpPr/>
+          <p:nvPr/>
+        </p:nvSpPr>
+        <p:spPr>
+          <a:xfrm>
+            <a:off x="9664886" y="4296320"/>
+            <a:ext cx="1269242" cy="346193"/>
+          </a:xfrm>
+          <a:prstGeom prst="rect">
+            <a:avLst/>
+          </a:prstGeom>
+          <a:noFill/>
+          <a:ln w="38100">
+            <a:solidFill>
+              <a:srgbClr val="FF0000"/>
+            </a:solidFill>
+          </a:ln>
+        </p:spPr>
+        <p:style>
+          <a:lnRef idx="2">
+            <a:schemeClr val="accent1">
+              <a:shade val="50000"/>
+            </a:schemeClr>
+          </a:lnRef>
+          <a:fillRef idx="1">
+            <a:schemeClr val="accent1"/>
+          </a:fillRef>
+          <a:effectRef idx="0">
+            <a:schemeClr val="accent1"/>
+          </a:effectRef>
+          <a:fontRef idx="minor">
+            <a:schemeClr val="lt1"/>
+          </a:fontRef>
+        </p:style>
+        <p:txBody>
+          <a:bodyPr rtlCol="0" anchor="ctr"/>
+          <a:lstStyle/>
+          <a:p>
+            <a:pPr algn="ctr"/>
+            <a:endParaRPr lang="en-US"/>
+          </a:p>
+        </p:txBody>
+      </p:sp>
+    </p:spTree>
+    <p:extLst>
+      <p:ext uri="{BB962C8B-B14F-4D97-AF65-F5344CB8AC3E}">
+        <p14:creationId xmlns:p14="http://schemas.microsoft.com/office/powerpoint/2010/main" val="4070173672"/>
+      </p:ext>
+    </p:extLst>
+  </p:cSld>
+  <p:clrMapOvr>
+    <a:masterClrMapping/>
+  </p:clrMapOvr>
+</p:sld>
+</file>
+
+<file path=ppt/slides/slide8.xml><?xml version="1.0" encoding="utf-8"?>
+<p:sld xmlns:a="http://schemas.openxmlformats.org/drawingml/2006/main" xmlns:r="http://schemas.openxmlformats.org/officeDocument/2006/relationships" xmlns:p="http://schemas.openxmlformats.org/presentationml/2006/main">
+  <p:cSld>
+    <p:spTree>
+      <p:nvGrpSpPr>
+        <p:cNvPr id="1" name=""/>
+        <p:cNvGrpSpPr/>
+        <p:nvPr/>
+      </p:nvGrpSpPr>
+      <p:grpSpPr>
+        <a:xfrm>
+          <a:off x="0" y="0"/>
+          <a:ext cx="0" cy="0"/>
+          <a:chOff x="0" y="0"/>
+          <a:chExt cx="0" cy="0"/>
+        </a:xfrm>
+      </p:grpSpPr>
+      <p:sp>
+        <p:nvSpPr>
+          <p:cNvPr id="2" name="Title 1">
+            <a:extLst>
+              <a:ext uri="{FF2B5EF4-FFF2-40B4-BE49-F238E27FC236}">
+                <a16:creationId xmlns:a16="http://schemas.microsoft.com/office/drawing/2014/main" id="{F6C240E0-64A3-044E-8C32-438F2000D786}"/>
+              </a:ext>
+            </a:extLst>
+          </p:cNvPr>
+          <p:cNvSpPr>
+            <a:spLocks noGrp="1"/>
+          </p:cNvSpPr>
+          <p:nvPr>
+            <p:ph type="title"/>
+          </p:nvPr>
+        </p:nvSpPr>
+        <p:spPr/>
+        <p:txBody>
+          <a:bodyPr/>
+          <a:lstStyle/>
+          <a:p>
+            <a:r>
+              <a:rPr lang="en-US" dirty="0"/>
+              <a:t>Analysis of comparison with Glimmer</a:t>
+            </a:r>
+          </a:p>
+        </p:txBody>
+      </p:sp>
+      <p:pic>
+        <p:nvPicPr>
+          <p:cNvPr id="5" name="Content Placeholder 4">
+            <a:extLst>
+              <a:ext uri="{FF2B5EF4-FFF2-40B4-BE49-F238E27FC236}">
+                <a16:creationId xmlns:a16="http://schemas.microsoft.com/office/drawing/2014/main" id="{F350790F-E2A5-324C-AB14-7EC160D1F2B4}"/>
+              </a:ext>
+            </a:extLst>
+          </p:cNvPr>
+          <p:cNvPicPr>
+            <a:picLocks noGrp="1" noChangeAspect="1"/>
+          </p:cNvPicPr>
+          <p:nvPr>
+            <p:ph idx="1"/>
+          </p:nvPr>
+        </p:nvPicPr>
+        <p:blipFill>
+          <a:blip r:embed="rId2"/>
+          <a:stretch>
+            <a:fillRect/>
+          </a:stretch>
+        </p:blipFill>
+        <p:spPr>
+          <a:xfrm>
+            <a:off x="1734078" y="2455333"/>
+            <a:ext cx="8723844" cy="2180961"/>
+          </a:xfrm>
+        </p:spPr>
+      </p:pic>
+    </p:spTree>
+    <p:extLst>
+      <p:ext uri="{BB962C8B-B14F-4D97-AF65-F5344CB8AC3E}">
+        <p14:creationId xmlns:p14="http://schemas.microsoft.com/office/powerpoint/2010/main" val="1498045575"/>
+      </p:ext>
+    </p:extLst>
+  </p:cSld>
+  <p:clrMapOvr>
+    <a:masterClrMapping/>
+  </p:clrMapOvr>
+</p:sld>
+</file>
+
+<file path=ppt/slides/slide9.xml><?xml version="1.0" encoding="utf-8"?>
+<p:sld xmlns:a="http://schemas.openxmlformats.org/drawingml/2006/main" xmlns:r="http://schemas.openxmlformats.org/officeDocument/2006/relationships" xmlns:p="http://schemas.openxmlformats.org/presentationml/2006/main">
+  <p:cSld>
+    <p:spTree>
+      <p:nvGrpSpPr>
+        <p:cNvPr id="1" name=""/>
+        <p:cNvGrpSpPr/>
+        <p:nvPr/>
+      </p:nvGrpSpPr>
+      <p:grpSpPr>
+        <a:xfrm>
+          <a:off x="0" y="0"/>
+          <a:ext cx="0" cy="0"/>
+          <a:chOff x="0" y="0"/>
+          <a:chExt cx="0" cy="0"/>
+        </a:xfrm>
+      </p:grpSpPr>
+      <p:sp>
+        <p:nvSpPr>
+          <p:cNvPr id="2" name="Title 1">
+            <a:extLst>
+              <a:ext uri="{FF2B5EF4-FFF2-40B4-BE49-F238E27FC236}">
+                <a16:creationId xmlns:a16="http://schemas.microsoft.com/office/drawing/2014/main" id="{5106C83A-6B0E-9340-A992-8CA4C755CBCF}"/>
+              </a:ext>
+            </a:extLst>
+          </p:cNvPr>
+          <p:cNvSpPr>
+            <a:spLocks noGrp="1"/>
+          </p:cNvSpPr>
+          <p:nvPr>
+            <p:ph type="title"/>
+          </p:nvPr>
+        </p:nvSpPr>
+        <p:spPr/>
+        <p:txBody>
+          <a:bodyPr/>
+          <a:lstStyle/>
+          <a:p>
+            <a:r>
+              <a:rPr lang="en-US" dirty="0"/>
+              <a:t>Analysis of comparison with Glimmer</a:t>
+            </a:r>
+          </a:p>
+        </p:txBody>
+      </p:sp>
+      <p:graphicFrame>
+        <p:nvGraphicFramePr>
+          <p:cNvPr id="7" name="Content Placeholder 6">
+            <a:extLst>
+              <a:ext uri="{FF2B5EF4-FFF2-40B4-BE49-F238E27FC236}">
+                <a16:creationId xmlns:a16="http://schemas.microsoft.com/office/drawing/2014/main" id="{AEDE56BF-65BD-0D40-ADEC-AF55EC566966}"/>
+              </a:ext>
+            </a:extLst>
+          </p:cNvPr>
+          <p:cNvGraphicFramePr>
+            <a:graphicFrameLocks noGrp="1"/>
+          </p:cNvGraphicFramePr>
+          <p:nvPr>
+            <p:ph idx="1"/>
+            <p:extLst>
+              <p:ext uri="{D42A27DB-BD31-4B8C-83A1-F6EECF244321}">
+                <p14:modId xmlns:p14="http://schemas.microsoft.com/office/powerpoint/2010/main" val="904785194"/>
+              </p:ext>
+            </p:extLst>
+          </p:nvPr>
+        </p:nvGraphicFramePr>
+        <p:xfrm>
+          <a:off x="1216025" y="2373076"/>
+          <a:ext cx="9759950" cy="2859010"/>
+        </p:xfrm>
+        <a:graphic>
+          <a:graphicData uri="http://schemas.openxmlformats.org/drawingml/2006/table">
+            <a:tbl>
+              <a:tblPr>
+                <a:tableStyleId>{5C22544A-7EE6-4342-B048-85BDC9FD1C3A}</a:tableStyleId>
+              </a:tblPr>
+              <a:tblGrid>
+                <a:gridCol w="1800130">
+                  <a:extLst>
+                    <a:ext uri="{9D8B030D-6E8A-4147-A177-3AD203B41FA5}">
+                      <a16:colId xmlns:a16="http://schemas.microsoft.com/office/drawing/2014/main" val="4244332750"/>
+                    </a:ext>
+                  </a:extLst>
+                </a:gridCol>
+                <a:gridCol w="2685938">
+                  <a:extLst>
+                    <a:ext uri="{9D8B030D-6E8A-4147-A177-3AD203B41FA5}">
+                      <a16:colId xmlns:a16="http://schemas.microsoft.com/office/drawing/2014/main" val="1383627116"/>
+                    </a:ext>
+                  </a:extLst>
+                </a:gridCol>
+                <a:gridCol w="2848515">
+                  <a:extLst>
+                    <a:ext uri="{9D8B030D-6E8A-4147-A177-3AD203B41FA5}">
+                      <a16:colId xmlns:a16="http://schemas.microsoft.com/office/drawing/2014/main" val="1215504330"/>
+                    </a:ext>
+                  </a:extLst>
+                </a:gridCol>
+                <a:gridCol w="2425367">
+                  <a:extLst>
+                    <a:ext uri="{9D8B030D-6E8A-4147-A177-3AD203B41FA5}">
+                      <a16:colId xmlns:a16="http://schemas.microsoft.com/office/drawing/2014/main" val="3378140508"/>
+                    </a:ext>
+                  </a:extLst>
+                </a:gridCol>
+              </a:tblGrid>
+              <a:tr h="472361">
+                <a:tc>
+                  <a:txBody>
+                    <a:bodyPr/>
+                    <a:lstStyle/>
+                    <a:p>
+                      <a:pPr algn="ctr" fontAlgn="b"/>
+                      <a:r>
+                        <a:rPr lang="en-SG" sz="1600" u="none" strike="noStrike">
+                          <a:effectLst/>
+                        </a:rPr>
+                        <a:t>Genome ID</a:t>
+                      </a:r>
+                      <a:endParaRPr lang="en-SG" sz="1600" b="1" i="0" u="none" strike="noStrike">
+                        <a:solidFill>
+                          <a:srgbClr val="000000"/>
+                        </a:solidFill>
+                        <a:effectLst/>
+                        <a:latin typeface="Liberation Sans"/>
+                      </a:endParaRPr>
+                    </a:p>
+                  </a:txBody>
+                  <a:tcPr marL="9525" marR="9525" marT="9525" marB="0" anchor="b"/>
+                </a:tc>
+                <a:tc>
+                  <a:txBody>
+                    <a:bodyPr/>
+                    <a:lstStyle/>
+                    <a:p>
+                      <a:pPr algn="ctr" fontAlgn="b"/>
+                      <a:r>
+                        <a:rPr lang="en-SG" sz="1600" u="none" strike="noStrike">
+                          <a:effectLst/>
+                        </a:rPr>
+                        <a:t>Species</a:t>
+                      </a:r>
+                      <a:endParaRPr lang="en-SG" sz="1600" b="1" i="0" u="none" strike="noStrike">
+                        <a:solidFill>
+                          <a:srgbClr val="000000"/>
+                        </a:solidFill>
+                        <a:effectLst/>
+                        <a:latin typeface="Liberation Sans"/>
+                      </a:endParaRPr>
+                    </a:p>
+                  </a:txBody>
+                  <a:tcPr marL="9525" marR="9525" marT="9525" marB="0" anchor="b"/>
+                </a:tc>
+                <a:tc>
+                  <a:txBody>
+                    <a:bodyPr/>
+                    <a:lstStyle/>
+                    <a:p>
+                      <a:pPr algn="ctr" fontAlgn="b"/>
+                      <a:r>
+                        <a:rPr lang="en-SG" sz="1600" u="none" strike="noStrike" dirty="0">
+                          <a:effectLst/>
+                        </a:rPr>
+                        <a:t>Fraction of GTG and TTG start codons</a:t>
+                      </a:r>
+                      <a:endParaRPr lang="en-SG" sz="1600" b="1" i="0" u="none" strike="noStrike" dirty="0">
+                        <a:solidFill>
+                          <a:srgbClr val="000000"/>
+                        </a:solidFill>
+                        <a:effectLst/>
+                        <a:latin typeface="Liberation Sans"/>
+                      </a:endParaRPr>
+                    </a:p>
+                  </a:txBody>
+                  <a:tcPr marL="9525" marR="9525" marT="9525" marB="0" anchor="b"/>
+                </a:tc>
+                <a:tc>
+                  <a:txBody>
+                    <a:bodyPr/>
+                    <a:lstStyle/>
+                    <a:p>
+                      <a:pPr algn="ctr" fontAlgn="b"/>
+                      <a:r>
+                        <a:rPr lang="en-SG" sz="1600" u="none" strike="noStrike">
+                          <a:effectLst/>
+                        </a:rPr>
+                        <a:t>Fraction of GTG start codons</a:t>
+                      </a:r>
+                      <a:endParaRPr lang="en-SG" sz="1600" b="1" i="0" u="none" strike="noStrike">
+                        <a:solidFill>
+                          <a:srgbClr val="000000"/>
+                        </a:solidFill>
+                        <a:effectLst/>
+                        <a:latin typeface="Liberation Sans"/>
+                      </a:endParaRPr>
+                    </a:p>
+                  </a:txBody>
+                  <a:tcPr marL="9525" marR="9525" marT="9525" marB="0" anchor="b"/>
+                </a:tc>
+                <a:extLst>
+                  <a:ext uri="{0D108BD9-81ED-4DB2-BD59-A6C34878D82A}">
+                    <a16:rowId xmlns:a16="http://schemas.microsoft.com/office/drawing/2014/main" val="3867950529"/>
+                  </a:ext>
+                </a:extLst>
+              </a:tr>
+              <a:tr h="472361">
+                <a:tc>
+                  <a:txBody>
+                    <a:bodyPr/>
+                    <a:lstStyle/>
+                    <a:p>
+                      <a:pPr algn="ctr" fontAlgn="b"/>
+                      <a:r>
+                        <a:rPr lang="en-SG" sz="1600" u="none" strike="noStrike">
+                          <a:effectLst/>
+                        </a:rPr>
+                        <a:t>9</a:t>
+                      </a:r>
+                      <a:endParaRPr lang="en-SG" sz="1600" b="0" i="0" u="none" strike="noStrike">
+                        <a:solidFill>
+                          <a:srgbClr val="000000"/>
+                        </a:solidFill>
+                        <a:effectLst/>
+                        <a:latin typeface="Liberation Sans"/>
+                      </a:endParaRPr>
+                    </a:p>
+                  </a:txBody>
+                  <a:tcPr marL="9525" marR="9525" marT="9525" marB="0" anchor="b"/>
+                </a:tc>
+                <a:tc>
+                  <a:txBody>
+                    <a:bodyPr/>
+                    <a:lstStyle/>
+                    <a:p>
+                      <a:pPr algn="ctr" fontAlgn="b"/>
+                      <a:r>
+                        <a:rPr lang="en-SG" sz="1600" u="none" strike="noStrike">
+                          <a:effectLst/>
+                        </a:rPr>
+                        <a:t>Escherichia coli</a:t>
+                      </a:r>
+                      <a:endParaRPr lang="en-SG" sz="1600" b="0" i="0" u="none" strike="noStrike">
+                        <a:solidFill>
+                          <a:srgbClr val="000000"/>
+                        </a:solidFill>
+                        <a:effectLst/>
+                        <a:latin typeface="Liberation Sans"/>
+                      </a:endParaRPr>
+                    </a:p>
+                  </a:txBody>
+                  <a:tcPr marL="9525" marR="9525" marT="9525" marB="0" anchor="b"/>
+                </a:tc>
+                <a:tc>
+                  <a:txBody>
+                    <a:bodyPr/>
+                    <a:lstStyle/>
+                    <a:p>
+                      <a:pPr algn="ctr" fontAlgn="b"/>
+                      <a:r>
+                        <a:rPr lang="en-SG" sz="1600" u="none" strike="noStrike">
+                          <a:effectLst/>
+                        </a:rPr>
+                        <a:t>0.198760098</a:t>
+                      </a:r>
+                      <a:endParaRPr lang="en-SG" sz="1600" b="0" i="0" u="none" strike="noStrike">
+                        <a:solidFill>
+                          <a:srgbClr val="000000"/>
+                        </a:solidFill>
+                        <a:effectLst/>
+                        <a:latin typeface="Liberation Sans"/>
+                      </a:endParaRPr>
+                    </a:p>
+                  </a:txBody>
+                  <a:tcPr marL="9525" marR="9525" marT="9525" marB="0" anchor="b"/>
+                </a:tc>
+                <a:tc>
+                  <a:txBody>
+                    <a:bodyPr/>
+                    <a:lstStyle/>
+                    <a:p>
+                      <a:pPr algn="ctr" fontAlgn="b"/>
+                      <a:r>
+                        <a:rPr lang="en-SG" sz="1600" u="none" strike="noStrike">
+                          <a:effectLst/>
+                        </a:rPr>
+                        <a:t>0.13995867</a:t>
+                      </a:r>
+                      <a:endParaRPr lang="en-SG" sz="1600" b="0" i="0" u="none" strike="noStrike">
+                        <a:solidFill>
+                          <a:srgbClr val="000000"/>
+                        </a:solidFill>
+                        <a:effectLst/>
+                        <a:latin typeface="Liberation Sans"/>
+                      </a:endParaRPr>
+                    </a:p>
+                  </a:txBody>
+                  <a:tcPr marL="9525" marR="9525" marT="9525" marB="0" anchor="b"/>
+                </a:tc>
+                <a:extLst>
+                  <a:ext uri="{0D108BD9-81ED-4DB2-BD59-A6C34878D82A}">
+                    <a16:rowId xmlns:a16="http://schemas.microsoft.com/office/drawing/2014/main" val="351337814"/>
+                  </a:ext>
+                </a:extLst>
+              </a:tr>
+              <a:tr h="472361">
+                <a:tc>
+                  <a:txBody>
+                    <a:bodyPr/>
+                    <a:lstStyle/>
+                    <a:p>
+                      <a:pPr algn="ctr" fontAlgn="b"/>
+                      <a:r>
+                        <a:rPr lang="en-SG" sz="1600" u="none" strike="noStrike">
+                          <a:effectLst/>
+                        </a:rPr>
+                        <a:t>17</a:t>
+                      </a:r>
+                      <a:endParaRPr lang="en-SG" sz="1600" b="0" i="0" u="none" strike="noStrike">
+                        <a:solidFill>
+                          <a:srgbClr val="000000"/>
+                        </a:solidFill>
+                        <a:effectLst/>
+                        <a:latin typeface="Liberation Sans"/>
+                      </a:endParaRPr>
+                    </a:p>
+                  </a:txBody>
+                  <a:tcPr marL="9525" marR="9525" marT="9525" marB="0" anchor="b"/>
+                </a:tc>
+                <a:tc>
+                  <a:txBody>
+                    <a:bodyPr/>
+                    <a:lstStyle/>
+                    <a:p>
+                      <a:pPr algn="ctr" fontAlgn="b"/>
+                      <a:r>
+                        <a:rPr lang="en-SG" sz="1600" u="none" strike="noStrike">
+                          <a:effectLst/>
+                        </a:rPr>
+                        <a:t>Streptomyces coelicolor</a:t>
+                      </a:r>
+                      <a:endParaRPr lang="en-SG" sz="1600" b="0" i="0" u="none" strike="noStrike">
+                        <a:solidFill>
+                          <a:srgbClr val="000000"/>
+                        </a:solidFill>
+                        <a:effectLst/>
+                        <a:latin typeface="Liberation Sans"/>
+                      </a:endParaRPr>
+                    </a:p>
+                  </a:txBody>
+                  <a:tcPr marL="9525" marR="9525" marT="9525" marB="0" anchor="b"/>
+                </a:tc>
+                <a:tc>
+                  <a:txBody>
+                    <a:bodyPr/>
+                    <a:lstStyle/>
+                    <a:p>
+                      <a:pPr algn="ctr" fontAlgn="b"/>
+                      <a:r>
+                        <a:rPr lang="en-SG" sz="1600" u="none" strike="noStrike">
+                          <a:effectLst/>
+                        </a:rPr>
+                        <a:t>0.45414132</a:t>
+                      </a:r>
+                      <a:endParaRPr lang="en-SG" sz="1600" b="0" i="0" u="none" strike="noStrike">
+                        <a:solidFill>
+                          <a:srgbClr val="000000"/>
+                        </a:solidFill>
+                        <a:effectLst/>
+                        <a:latin typeface="Liberation Sans"/>
+                      </a:endParaRPr>
+                    </a:p>
+                  </a:txBody>
+                  <a:tcPr marL="9525" marR="9525" marT="9525" marB="0" anchor="b"/>
+                </a:tc>
+                <a:tc>
+                  <a:txBody>
+                    <a:bodyPr/>
+                    <a:lstStyle/>
+                    <a:p>
+                      <a:pPr algn="ctr" fontAlgn="b"/>
+                      <a:r>
+                        <a:rPr lang="en-SG" sz="1600" u="none" strike="noStrike" dirty="0">
+                          <a:effectLst/>
+                        </a:rPr>
+                        <a:t>0.407814693</a:t>
+                      </a:r>
+                      <a:endParaRPr lang="en-SG" sz="1600" b="0" i="0" u="none" strike="noStrike" dirty="0">
+                        <a:solidFill>
+                          <a:srgbClr val="000000"/>
+                        </a:solidFill>
+                        <a:effectLst/>
+                        <a:latin typeface="Liberation Sans"/>
+                      </a:endParaRPr>
+                    </a:p>
+                  </a:txBody>
+                  <a:tcPr marL="9525" marR="9525" marT="9525" marB="0" anchor="b"/>
+                </a:tc>
+                <a:extLst>
+                  <a:ext uri="{0D108BD9-81ED-4DB2-BD59-A6C34878D82A}">
+                    <a16:rowId xmlns:a16="http://schemas.microsoft.com/office/drawing/2014/main" val="2195592954"/>
+                  </a:ext>
+                </a:extLst>
+              </a:tr>
+              <a:tr h="472361">
+                <a:tc>
+                  <a:txBody>
+                    <a:bodyPr/>
+                    <a:lstStyle/>
+                    <a:p>
+                      <a:pPr algn="ctr" fontAlgn="b"/>
+                      <a:r>
+                        <a:rPr lang="en-SG" sz="1600" u="none" strike="noStrike">
+                          <a:effectLst/>
+                        </a:rPr>
+                        <a:t>24</a:t>
+                      </a:r>
+                      <a:endParaRPr lang="en-SG" sz="1600" b="0" i="0" u="none" strike="noStrike">
+                        <a:solidFill>
+                          <a:srgbClr val="000000"/>
+                        </a:solidFill>
+                        <a:effectLst/>
+                        <a:latin typeface="Liberation Sans"/>
+                      </a:endParaRPr>
+                    </a:p>
+                  </a:txBody>
+                  <a:tcPr marL="9525" marR="9525" marT="9525" marB="0" anchor="b"/>
+                </a:tc>
+                <a:tc>
+                  <a:txBody>
+                    <a:bodyPr/>
+                    <a:lstStyle/>
+                    <a:p>
+                      <a:pPr algn="ctr" fontAlgn="b"/>
+                      <a:r>
+                        <a:rPr lang="en-SG" sz="1600" u="none" strike="noStrike">
+                          <a:effectLst/>
+                        </a:rPr>
+                        <a:t>Saccharomyces cerevisiae ch4</a:t>
+                      </a:r>
+                      <a:endParaRPr lang="en-SG" sz="1600" b="0" i="0" u="none" strike="noStrike">
+                        <a:solidFill>
+                          <a:srgbClr val="000000"/>
+                        </a:solidFill>
+                        <a:effectLst/>
+                        <a:latin typeface="Liberation Sans"/>
+                      </a:endParaRPr>
+                    </a:p>
+                  </a:txBody>
+                  <a:tcPr marL="9525" marR="9525" marT="9525" marB="0" anchor="b"/>
+                </a:tc>
+                <a:tc>
+                  <a:txBody>
+                    <a:bodyPr/>
+                    <a:lstStyle/>
+                    <a:p>
+                      <a:pPr algn="ctr" fontAlgn="b"/>
+                      <a:r>
+                        <a:rPr lang="en-SG" sz="1600" u="none" strike="noStrike">
+                          <a:effectLst/>
+                        </a:rPr>
+                        <a:t>0.194353963</a:t>
+                      </a:r>
+                      <a:endParaRPr lang="en-SG" sz="1600" b="0" i="0" u="none" strike="noStrike">
+                        <a:solidFill>
+                          <a:srgbClr val="000000"/>
+                        </a:solidFill>
+                        <a:effectLst/>
+                        <a:latin typeface="Liberation Sans"/>
+                      </a:endParaRPr>
+                    </a:p>
+                  </a:txBody>
+                  <a:tcPr marL="9525" marR="9525" marT="9525" marB="0" anchor="b"/>
+                </a:tc>
+                <a:tc>
+                  <a:txBody>
+                    <a:bodyPr/>
+                    <a:lstStyle/>
+                    <a:p>
+                      <a:pPr algn="ctr" fontAlgn="b"/>
+                      <a:r>
+                        <a:rPr lang="en-SG" sz="1600" u="none" strike="noStrike">
+                          <a:effectLst/>
+                        </a:rPr>
+                        <a:t>0.10640608</a:t>
+                      </a:r>
+                      <a:endParaRPr lang="en-SG" sz="1600" b="0" i="0" u="none" strike="noStrike">
+                        <a:solidFill>
+                          <a:srgbClr val="000000"/>
+                        </a:solidFill>
+                        <a:effectLst/>
+                        <a:latin typeface="Liberation Sans"/>
+                      </a:endParaRPr>
+                    </a:p>
+                  </a:txBody>
+                  <a:tcPr marL="9525" marR="9525" marT="9525" marB="0" anchor="b"/>
+                </a:tc>
+                <a:extLst>
+                  <a:ext uri="{0D108BD9-81ED-4DB2-BD59-A6C34878D82A}">
+                    <a16:rowId xmlns:a16="http://schemas.microsoft.com/office/drawing/2014/main" val="3382661717"/>
+                  </a:ext>
+                </a:extLst>
+              </a:tr>
+              <a:tr h="472361">
+                <a:tc>
+                  <a:txBody>
+                    <a:bodyPr/>
+                    <a:lstStyle/>
+                    <a:p>
+                      <a:pPr algn="ctr" fontAlgn="b"/>
+                      <a:r>
+                        <a:rPr lang="en-SG" sz="1600" u="none" strike="noStrike">
+                          <a:effectLst/>
+                        </a:rPr>
+                        <a:t>49</a:t>
+                      </a:r>
+                      <a:endParaRPr lang="en-SG" sz="1600" b="0" i="0" u="none" strike="noStrike">
+                        <a:solidFill>
+                          <a:srgbClr val="000000"/>
+                        </a:solidFill>
+                        <a:effectLst/>
+                        <a:latin typeface="Liberation Sans"/>
+                      </a:endParaRPr>
+                    </a:p>
+                  </a:txBody>
+                  <a:tcPr marL="9525" marR="9525" marT="9525" marB="0" anchor="b"/>
+                </a:tc>
+                <a:tc>
+                  <a:txBody>
+                    <a:bodyPr/>
+                    <a:lstStyle/>
+                    <a:p>
+                      <a:pPr algn="ctr" fontAlgn="b"/>
+                      <a:r>
+                        <a:rPr lang="en-SG" sz="1600" u="none" strike="noStrike" dirty="0" err="1">
+                          <a:effectLst/>
+                        </a:rPr>
+                        <a:t>Rubrobacter</a:t>
+                      </a:r>
+                      <a:r>
+                        <a:rPr lang="en-SG" sz="1600" u="none" strike="noStrike" dirty="0">
+                          <a:effectLst/>
+                        </a:rPr>
+                        <a:t> </a:t>
+                      </a:r>
+                      <a:r>
+                        <a:rPr lang="en-SG" sz="1600" u="none" strike="noStrike" dirty="0" err="1">
+                          <a:effectLst/>
+                        </a:rPr>
+                        <a:t>xylanophilus</a:t>
+                      </a:r>
+                      <a:endParaRPr lang="en-SG" sz="1600" b="0" i="0" u="none" strike="noStrike" dirty="0">
+                        <a:solidFill>
+                          <a:srgbClr val="000000"/>
+                        </a:solidFill>
+                        <a:effectLst/>
+                        <a:latin typeface="Liberation Sans"/>
+                      </a:endParaRPr>
+                    </a:p>
+                  </a:txBody>
+                  <a:tcPr marL="9525" marR="9525" marT="9525" marB="0" anchor="b"/>
+                </a:tc>
+                <a:tc>
+                  <a:txBody>
+                    <a:bodyPr/>
+                    <a:lstStyle/>
+                    <a:p>
+                      <a:pPr algn="ctr" fontAlgn="b"/>
+                      <a:r>
+                        <a:rPr lang="en-SG" sz="1600" u="none" strike="noStrike">
+                          <a:effectLst/>
+                        </a:rPr>
+                        <a:t>0.56237037</a:t>
+                      </a:r>
+                      <a:endParaRPr lang="en-SG" sz="1600" b="0" i="0" u="none" strike="noStrike">
+                        <a:solidFill>
+                          <a:srgbClr val="000000"/>
+                        </a:solidFill>
+                        <a:effectLst/>
+                        <a:latin typeface="Liberation Sans"/>
+                      </a:endParaRPr>
+                    </a:p>
+                  </a:txBody>
+                  <a:tcPr marL="9525" marR="9525" marT="9525" marB="0" anchor="b"/>
+                </a:tc>
+                <a:tc>
+                  <a:txBody>
+                    <a:bodyPr/>
+                    <a:lstStyle/>
+                    <a:p>
+                      <a:pPr algn="ctr" fontAlgn="b"/>
+                      <a:r>
+                        <a:rPr lang="en-SG" sz="1600" u="none" strike="noStrike" dirty="0">
+                          <a:effectLst/>
+                        </a:rPr>
+                        <a:t>0.437925926</a:t>
+                      </a:r>
+                      <a:endParaRPr lang="en-SG" sz="1600" b="0" i="0" u="none" strike="noStrike" dirty="0">
+                        <a:solidFill>
+                          <a:srgbClr val="000000"/>
+                        </a:solidFill>
+                        <a:effectLst/>
+                        <a:latin typeface="Liberation Sans"/>
+                      </a:endParaRPr>
+                    </a:p>
+                  </a:txBody>
+                  <a:tcPr marL="9525" marR="9525" marT="9525" marB="0" anchor="b"/>
+                </a:tc>
+                <a:extLst>
+                  <a:ext uri="{0D108BD9-81ED-4DB2-BD59-A6C34878D82A}">
+                    <a16:rowId xmlns:a16="http://schemas.microsoft.com/office/drawing/2014/main" val="2516438583"/>
+                  </a:ext>
+                </a:extLst>
+              </a:tr>
+              <a:tr h="472361">
+                <a:tc>
+                  <a:txBody>
+                    <a:bodyPr/>
+                    <a:lstStyle/>
+                    <a:p>
+                      <a:pPr algn="ctr" fontAlgn="b"/>
+                      <a:r>
+                        <a:rPr lang="en-SG" sz="1600" u="none" strike="noStrike">
+                          <a:effectLst/>
+                        </a:rPr>
+                        <a:t>51</a:t>
+                      </a:r>
+                      <a:endParaRPr lang="en-SG" sz="1600" b="0" i="0" u="none" strike="noStrike">
+                        <a:solidFill>
+                          <a:srgbClr val="000000"/>
+                        </a:solidFill>
+                        <a:effectLst/>
+                        <a:latin typeface="Liberation Sans"/>
+                      </a:endParaRPr>
+                    </a:p>
+                  </a:txBody>
+                  <a:tcPr marL="9525" marR="9525" marT="9525" marB="0" anchor="b"/>
+                </a:tc>
+                <a:tc>
+                  <a:txBody>
+                    <a:bodyPr/>
+                    <a:lstStyle/>
+                    <a:p>
+                      <a:pPr algn="ctr" fontAlgn="b"/>
+                      <a:r>
+                        <a:rPr lang="en-SG" sz="1600" u="none" strike="noStrike">
+                          <a:effectLst/>
+                        </a:rPr>
+                        <a:t>Spiribacter curvatus</a:t>
+                      </a:r>
+                      <a:endParaRPr lang="en-SG" sz="1600" b="0" i="0" u="none" strike="noStrike">
+                        <a:solidFill>
+                          <a:srgbClr val="000000"/>
+                        </a:solidFill>
+                        <a:effectLst/>
+                        <a:latin typeface="Liberation Sans"/>
+                      </a:endParaRPr>
+                    </a:p>
+                  </a:txBody>
+                  <a:tcPr marL="9525" marR="9525" marT="9525" marB="0" anchor="b"/>
+                </a:tc>
+                <a:tc>
+                  <a:txBody>
+                    <a:bodyPr/>
+                    <a:lstStyle/>
+                    <a:p>
+                      <a:pPr algn="ctr" fontAlgn="b"/>
+                      <a:r>
+                        <a:rPr lang="en-SG" sz="1600" u="none" strike="noStrike">
+                          <a:effectLst/>
+                        </a:rPr>
+                        <a:t>0.249194415</a:t>
+                      </a:r>
+                      <a:endParaRPr lang="en-SG" sz="1600" b="0" i="0" u="none" strike="noStrike">
+                        <a:solidFill>
+                          <a:srgbClr val="000000"/>
+                        </a:solidFill>
+                        <a:effectLst/>
+                        <a:latin typeface="Liberation Sans"/>
+                      </a:endParaRPr>
+                    </a:p>
+                  </a:txBody>
+                  <a:tcPr marL="9525" marR="9525" marT="9525" marB="0" anchor="b"/>
+                </a:tc>
+                <a:tc>
+                  <a:txBody>
+                    <a:bodyPr/>
+                    <a:lstStyle/>
+                    <a:p>
+                      <a:pPr algn="ctr" fontAlgn="b"/>
+                      <a:r>
+                        <a:rPr lang="en-SG" sz="1600" u="none" strike="noStrike" dirty="0">
+                          <a:effectLst/>
+                        </a:rPr>
+                        <a:t>0.186358754</a:t>
+                      </a:r>
+                      <a:endParaRPr lang="en-SG" sz="1600" b="0" i="0" u="none" strike="noStrike" dirty="0">
+                        <a:solidFill>
+                          <a:srgbClr val="000000"/>
+                        </a:solidFill>
+                        <a:effectLst/>
+                        <a:latin typeface="Liberation Sans"/>
+                      </a:endParaRPr>
+                    </a:p>
+                  </a:txBody>
+                  <a:tcPr marL="9525" marR="9525" marT="9525" marB="0" anchor="b"/>
+                </a:tc>
+                <a:extLst>
+                  <a:ext uri="{0D108BD9-81ED-4DB2-BD59-A6C34878D82A}">
+                    <a16:rowId xmlns:a16="http://schemas.microsoft.com/office/drawing/2014/main" val="858655477"/>
+                  </a:ext>
+                </a:extLst>
+              </a:tr>
+            </a:tbl>
+          </a:graphicData>
+        </a:graphic>
+      </p:graphicFrame>
+      <p:sp>
+        <p:nvSpPr>
+          <p:cNvPr id="8" name="Rectangle 7">
+            <a:extLst>
+              <a:ext uri="{FF2B5EF4-FFF2-40B4-BE49-F238E27FC236}">
+                <a16:creationId xmlns:a16="http://schemas.microsoft.com/office/drawing/2014/main" id="{481E630F-BC22-DB46-9082-B004F9E1D456}"/>
+              </a:ext>
+            </a:extLst>
+          </p:cNvPr>
+          <p:cNvSpPr/>
+          <p:nvPr/>
+        </p:nvSpPr>
+        <p:spPr>
+          <a:xfrm>
+            <a:off x="6096000" y="3346156"/>
+            <a:ext cx="4683456" cy="444003"/>
+          </a:xfrm>
+          <a:prstGeom prst="rect">
+            <a:avLst/>
+          </a:prstGeom>
+          <a:noFill/>
+          <a:ln w="38100">
+            <a:solidFill>
+              <a:srgbClr val="FF0000"/>
+            </a:solidFill>
+          </a:ln>
+        </p:spPr>
+        <p:style>
+          <a:lnRef idx="2">
+            <a:schemeClr val="accent1">
+              <a:shade val="50000"/>
+            </a:schemeClr>
+          </a:lnRef>
+          <a:fillRef idx="1">
+            <a:schemeClr val="accent1"/>
+          </a:fillRef>
+          <a:effectRef idx="0">
+            <a:schemeClr val="accent1"/>
+          </a:effectRef>
+          <a:fontRef idx="minor">
+            <a:schemeClr val="lt1"/>
+          </a:fontRef>
+        </p:style>
+        <p:txBody>
+          <a:bodyPr rtlCol="0" anchor="ctr"/>
+          <a:lstStyle/>
+          <a:p>
+            <a:pPr algn="ctr"/>
+            <a:endParaRPr lang="en-US"/>
+          </a:p>
+        </p:txBody>
+      </p:sp>
+      <p:sp>
+        <p:nvSpPr>
+          <p:cNvPr id="9" name="Rectangle 8">
+            <a:extLst>
+              <a:ext uri="{FF2B5EF4-FFF2-40B4-BE49-F238E27FC236}">
+                <a16:creationId xmlns:a16="http://schemas.microsoft.com/office/drawing/2014/main" id="{22136C33-4301-3047-AB81-32A3287D8347}"/>
+              </a:ext>
+            </a:extLst>
+          </p:cNvPr>
+          <p:cNvSpPr/>
+          <p:nvPr/>
+        </p:nvSpPr>
+        <p:spPr>
+          <a:xfrm>
+            <a:off x="6096000" y="4285566"/>
+            <a:ext cx="4683456" cy="444003"/>
+          </a:xfrm>
+          <a:prstGeom prst="rect">
+            <a:avLst/>
+          </a:prstGeom>
+          <a:noFill/>
+          <a:ln w="38100">
+            <a:solidFill>
+              <a:srgbClr val="FF0000"/>
+            </a:solidFill>
+          </a:ln>
+        </p:spPr>
+        <p:style>
+          <a:lnRef idx="2">
+            <a:schemeClr val="accent1">
+              <a:shade val="50000"/>
+            </a:schemeClr>
+          </a:lnRef>
+          <a:fillRef idx="1">
+            <a:schemeClr val="accent1"/>
+          </a:fillRef>
+          <a:effectRef idx="0">
+            <a:schemeClr val="accent1"/>
+          </a:effectRef>
+          <a:fontRef idx="minor">
+            <a:schemeClr val="lt1"/>
+          </a:fontRef>
+        </p:style>
+        <p:txBody>
+          <a:bodyPr rtlCol="0" anchor="ctr"/>
+          <a:lstStyle/>
+          <a:p>
+            <a:pPr algn="ctr"/>
+            <a:endParaRPr lang="en-US"/>
+          </a:p>
+        </p:txBody>
+      </p:sp>
+    </p:spTree>
+    <p:extLst>
+      <p:ext uri="{BB962C8B-B14F-4D97-AF65-F5344CB8AC3E}">
+        <p14:creationId xmlns:p14="http://schemas.microsoft.com/office/powerpoint/2010/main" val="4221090271"/>
+      </p:ext>
+    </p:extLst>
+  </p:cSld>
+  <p:clrMapOvr>
+    <a:masterClrMapping/>
+  </p:clrMapOvr>
+</p:sld>
+</file>
+
 <file path=ppt/theme/theme1.xml><?xml version="1.0" encoding="utf-8"?>
 <a:theme xmlns:a="http://schemas.openxmlformats.org/drawingml/2006/main" name="Office Theme">
   <a:themeElements>

--- a/project/ShuhanXu.pptx
+++ b/project/ShuhanXu.pptx
@@ -112,6 +112,11 @@
       </a:defRPr>
     </a:lvl9pPr>
   </p:defaultTextStyle>
+  <p:extLst>
+    <p:ext uri="{EFAFB233-063F-42B5-8137-9DF3F51BA10A}">
+      <p15:sldGuideLst xmlns:p15="http://schemas.microsoft.com/office/powerpoint/2012/main"/>
+    </p:ext>
+  </p:extLst>
 </p:presentation>
 </file>
 
@@ -3636,7 +3641,7 @@
           <a:p>
             <a:r>
               <a:rPr lang="en-US" dirty="0"/>
-              <a:t>For each reading frame, each nucleotide is classified as True Positive (TP), True Negative (TN), False Positive (FP) and False Negative (FN)</a:t>
+              <a:t>For each reading frame, each nucleotide is classified as True Positive (TP), True Negative (TN), False Positive (FP) or False Negative (FN)</a:t>
             </a:r>
           </a:p>
         </p:txBody>
